--- a/document/ppt/Hi Snack! 페이지 별 구성 요소.pptx
+++ b/document/ppt/Hi Snack! 페이지 별 구성 요소.pptx
@@ -10,6 +10,8 @@
     <p:sldId id="259" r:id="rId4"/>
     <p:sldId id="257" r:id="rId5"/>
     <p:sldId id="260" r:id="rId6"/>
+    <p:sldId id="261" r:id="rId7"/>
+    <p:sldId id="262" r:id="rId8"/>
   </p:sldIdLst>
   <p:sldSz cx="12192000" cy="6858000"/>
   <p:notesSz cx="6858000" cy="9144000"/>
@@ -108,6 +110,11 @@
       </a:defRPr>
     </a:lvl9pPr>
   </p:defaultTextStyle>
+  <p:extLst>
+    <p:ext uri="{EFAFB233-063F-42B5-8137-9DF3F51BA10A}">
+      <p15:sldGuideLst xmlns:p15="http://schemas.microsoft.com/office/powerpoint/2012/main"/>
+    </p:ext>
+  </p:extLst>
 </p:presentation>
 </file>
 
@@ -4348,7 +4355,306 @@
           <a:bodyPr/>
           <a:lstStyle/>
           <a:p>
+            <a:r>
+              <a:rPr lang="ko-KR" altLang="en-US" dirty="0" smtClean="0"/>
+              <a:t>입력 칸</a:t>
+            </a:r>
+            <a:endParaRPr lang="en-US" altLang="ko-KR" dirty="0" smtClean="0"/>
+          </a:p>
+          <a:p>
+            <a:pPr lvl="1"/>
+            <a:r>
+              <a:rPr lang="ko-KR" altLang="en-US" dirty="0" smtClean="0"/>
+              <a:t>아이디</a:t>
+            </a:r>
+            <a:endParaRPr lang="en-US" altLang="ko-KR" dirty="0" smtClean="0"/>
+          </a:p>
+          <a:p>
+            <a:pPr lvl="1"/>
+            <a:r>
+              <a:rPr lang="ko-KR" altLang="en-US" dirty="0" smtClean="0"/>
+              <a:t>비밀번호</a:t>
+            </a:r>
+            <a:endParaRPr lang="en-US" altLang="ko-KR" dirty="0" smtClean="0"/>
+          </a:p>
+          <a:p>
+            <a:r>
+              <a:rPr lang="ko-KR" altLang="en-US" dirty="0" smtClean="0"/>
+              <a:t>로그인 버튼</a:t>
+            </a:r>
+            <a:endParaRPr lang="en-US" altLang="ko-KR" dirty="0" smtClean="0"/>
+          </a:p>
+          <a:p>
+            <a:pPr lvl="1"/>
+            <a:r>
+              <a:rPr lang="ko-KR" altLang="en-US" dirty="0" err="1" smtClean="0"/>
+              <a:t>로그인을</a:t>
+            </a:r>
+            <a:r>
+              <a:rPr lang="ko-KR" altLang="en-US" dirty="0" smtClean="0"/>
+              <a:t> 시도하는 버튼</a:t>
+            </a:r>
+            <a:endParaRPr lang="en-US" altLang="ko-KR" dirty="0" smtClean="0"/>
+          </a:p>
+          <a:p>
+            <a:r>
+              <a:rPr lang="ko-KR" altLang="en-US" dirty="0" smtClean="0"/>
+              <a:t>링크</a:t>
+            </a:r>
+            <a:endParaRPr lang="en-US" altLang="ko-KR" dirty="0" smtClean="0"/>
+          </a:p>
+          <a:p>
+            <a:pPr lvl="1"/>
+            <a:r>
+              <a:rPr lang="ko-KR" altLang="en-US" dirty="0" smtClean="0"/>
+              <a:t>회원가입으로 가는 링크</a:t>
+            </a:r>
+            <a:endParaRPr lang="en-US" altLang="ko-KR" dirty="0" smtClean="0"/>
+          </a:p>
+          <a:p>
+            <a:pPr lvl="1"/>
+            <a:r>
+              <a:rPr lang="ko-KR" altLang="en-US" dirty="0" smtClean="0"/>
+              <a:t>아이디 찾기를 하는 링크</a:t>
+            </a:r>
+            <a:endParaRPr lang="en-US" altLang="ko-KR" dirty="0" smtClean="0"/>
+          </a:p>
+          <a:p>
+            <a:pPr lvl="1"/>
+            <a:r>
+              <a:rPr lang="ko-KR" altLang="en-US" dirty="0" smtClean="0"/>
+              <a:t>비밀번호 찾기를 하는 링크</a:t>
+            </a:r>
+            <a:endParaRPr lang="en-US" altLang="ko-KR" dirty="0" smtClean="0"/>
+          </a:p>
+          <a:p>
+            <a:r>
+              <a:rPr lang="ko-KR" altLang="en-US" dirty="0" smtClean="0"/>
+              <a:t>소셜 로그인</a:t>
+            </a:r>
+            <a:endParaRPr lang="en-US" altLang="ko-KR" dirty="0" smtClean="0"/>
+          </a:p>
+          <a:p>
+            <a:pPr lvl="1"/>
+            <a:r>
+              <a:rPr lang="ko-KR" altLang="en-US" dirty="0" smtClean="0"/>
+              <a:t>구글 아이디로 로그인하는 링크</a:t>
+            </a:r>
             <a:endParaRPr lang="ko-KR" altLang="en-US" dirty="0"/>
+          </a:p>
+        </p:txBody>
+      </p:sp>
+      <p:sp>
+        <p:nvSpPr>
+          <p:cNvPr id="4" name="직사각형 3"/>
+          <p:cNvSpPr/>
+          <p:nvPr/>
+        </p:nvSpPr>
+        <p:spPr>
+          <a:xfrm>
+            <a:off x="1626576" y="940255"/>
+            <a:ext cx="4580792" cy="5055577"/>
+          </a:xfrm>
+          <a:prstGeom prst="rect">
+            <a:avLst/>
+          </a:prstGeom>
+        </p:spPr>
+        <p:style>
+          <a:lnRef idx="2">
+            <a:schemeClr val="dk1"/>
+          </a:lnRef>
+          <a:fillRef idx="1">
+            <a:schemeClr val="lt1"/>
+          </a:fillRef>
+          <a:effectRef idx="0">
+            <a:schemeClr val="dk1"/>
+          </a:effectRef>
+          <a:fontRef idx="minor">
+            <a:schemeClr val="dk1"/>
+          </a:fontRef>
+        </p:style>
+        <p:txBody>
+          <a:bodyPr rtlCol="0" anchor="ctr"/>
+          <a:lstStyle/>
+          <a:p>
+            <a:pPr algn="ctr"/>
+            <a:endParaRPr lang="ko-KR" altLang="en-US"/>
+          </a:p>
+        </p:txBody>
+      </p:sp>
+      <p:sp>
+        <p:nvSpPr>
+          <p:cNvPr id="5" name="직사각형 4"/>
+          <p:cNvSpPr/>
+          <p:nvPr/>
+        </p:nvSpPr>
+        <p:spPr>
+          <a:xfrm>
+            <a:off x="2277208" y="1784838"/>
+            <a:ext cx="3314700" cy="1160585"/>
+          </a:xfrm>
+          <a:prstGeom prst="rect">
+            <a:avLst/>
+          </a:prstGeom>
+        </p:spPr>
+        <p:style>
+          <a:lnRef idx="2">
+            <a:schemeClr val="accent2">
+              <a:shade val="50000"/>
+            </a:schemeClr>
+          </a:lnRef>
+          <a:fillRef idx="1">
+            <a:schemeClr val="accent2"/>
+          </a:fillRef>
+          <a:effectRef idx="0">
+            <a:schemeClr val="accent2"/>
+          </a:effectRef>
+          <a:fontRef idx="minor">
+            <a:schemeClr val="lt1"/>
+          </a:fontRef>
+        </p:style>
+        <p:txBody>
+          <a:bodyPr rtlCol="0" anchor="ctr"/>
+          <a:lstStyle/>
+          <a:p>
+            <a:pPr algn="ctr"/>
+            <a:r>
+              <a:rPr lang="ko-KR" altLang="en-US" smtClean="0"/>
+              <a:t>입력칸</a:t>
+            </a:r>
+            <a:endParaRPr lang="ko-KR" altLang="en-US" dirty="0"/>
+          </a:p>
+        </p:txBody>
+      </p:sp>
+      <p:sp>
+        <p:nvSpPr>
+          <p:cNvPr id="6" name="직사각형 5"/>
+          <p:cNvSpPr/>
+          <p:nvPr/>
+        </p:nvSpPr>
+        <p:spPr>
+          <a:xfrm>
+            <a:off x="2277208" y="3038269"/>
+            <a:ext cx="3314700" cy="430474"/>
+          </a:xfrm>
+          <a:prstGeom prst="rect">
+            <a:avLst/>
+          </a:prstGeom>
+        </p:spPr>
+        <p:style>
+          <a:lnRef idx="2">
+            <a:schemeClr val="accent3">
+              <a:shade val="50000"/>
+            </a:schemeClr>
+          </a:lnRef>
+          <a:fillRef idx="1">
+            <a:schemeClr val="accent3"/>
+          </a:fillRef>
+          <a:effectRef idx="0">
+            <a:schemeClr val="accent3"/>
+          </a:effectRef>
+          <a:fontRef idx="minor">
+            <a:schemeClr val="lt1"/>
+          </a:fontRef>
+        </p:style>
+        <p:txBody>
+          <a:bodyPr rtlCol="0" anchor="ctr"/>
+          <a:lstStyle/>
+          <a:p>
+            <a:pPr algn="ctr"/>
+            <a:r>
+              <a:rPr lang="ko-KR" altLang="en-US" dirty="0" smtClean="0"/>
+              <a:t>로그인 버튼</a:t>
+            </a:r>
+            <a:endParaRPr lang="en-US" altLang="ko-KR" dirty="0" smtClean="0"/>
+          </a:p>
+        </p:txBody>
+      </p:sp>
+      <p:sp>
+        <p:nvSpPr>
+          <p:cNvPr id="7" name="직사각형 6"/>
+          <p:cNvSpPr/>
+          <p:nvPr/>
+        </p:nvSpPr>
+        <p:spPr>
+          <a:xfrm>
+            <a:off x="2277208" y="3658302"/>
+            <a:ext cx="3314700" cy="430474"/>
+          </a:xfrm>
+          <a:prstGeom prst="rect">
+            <a:avLst/>
+          </a:prstGeom>
+        </p:spPr>
+        <p:style>
+          <a:lnRef idx="2">
+            <a:schemeClr val="accent1">
+              <a:shade val="50000"/>
+            </a:schemeClr>
+          </a:lnRef>
+          <a:fillRef idx="1">
+            <a:schemeClr val="accent1"/>
+          </a:fillRef>
+          <a:effectRef idx="0">
+            <a:schemeClr val="accent1"/>
+          </a:effectRef>
+          <a:fontRef idx="minor">
+            <a:schemeClr val="lt1"/>
+          </a:fontRef>
+        </p:style>
+        <p:txBody>
+          <a:bodyPr rtlCol="0" anchor="ctr"/>
+          <a:lstStyle/>
+          <a:p>
+            <a:pPr algn="ctr"/>
+            <a:r>
+              <a:rPr lang="ko-KR" altLang="en-US" smtClean="0"/>
+              <a:t>링크</a:t>
+            </a:r>
+            <a:endParaRPr lang="en-US" altLang="ko-KR" dirty="0" smtClean="0"/>
+          </a:p>
+        </p:txBody>
+      </p:sp>
+      <p:sp>
+        <p:nvSpPr>
+          <p:cNvPr id="8" name="직사각형 7"/>
+          <p:cNvSpPr/>
+          <p:nvPr/>
+        </p:nvSpPr>
+        <p:spPr>
+          <a:xfrm>
+            <a:off x="2277208" y="4493572"/>
+            <a:ext cx="3314700" cy="430474"/>
+          </a:xfrm>
+          <a:prstGeom prst="rect">
+            <a:avLst/>
+          </a:prstGeom>
+        </p:spPr>
+        <p:style>
+          <a:lnRef idx="2">
+            <a:schemeClr val="accent5">
+              <a:shade val="50000"/>
+            </a:schemeClr>
+          </a:lnRef>
+          <a:fillRef idx="1">
+            <a:schemeClr val="accent5"/>
+          </a:fillRef>
+          <a:effectRef idx="0">
+            <a:schemeClr val="accent5"/>
+          </a:effectRef>
+          <a:fontRef idx="minor">
+            <a:schemeClr val="lt1"/>
+          </a:fontRef>
+        </p:style>
+        <p:txBody>
+          <a:bodyPr rtlCol="0" anchor="ctr"/>
+          <a:lstStyle/>
+          <a:p>
+            <a:pPr algn="ctr"/>
+            <a:r>
+              <a:rPr lang="ko-KR" altLang="en-US" dirty="0" smtClean="0"/>
+              <a:t>소셜 로그인</a:t>
+            </a:r>
+            <a:endParaRPr lang="en-US" altLang="ko-KR" dirty="0" smtClean="0"/>
           </a:p>
         </p:txBody>
       </p:sp>
@@ -4356,6 +4662,343 @@
     <p:extLst>
       <p:ext uri="{BB962C8B-B14F-4D97-AF65-F5344CB8AC3E}">
         <p14:creationId xmlns:p14="http://schemas.microsoft.com/office/powerpoint/2010/main" val="1452109906"/>
+      </p:ext>
+    </p:extLst>
+  </p:cSld>
+  <p:clrMapOvr>
+    <a:masterClrMapping/>
+  </p:clrMapOvr>
+</p:sld>
+</file>
+
+<file path=ppt/slides/slide6.xml><?xml version="1.0" encoding="utf-8"?>
+<p:sld xmlns:a="http://schemas.openxmlformats.org/drawingml/2006/main" xmlns:r="http://schemas.openxmlformats.org/officeDocument/2006/relationships" xmlns:p="http://schemas.openxmlformats.org/presentationml/2006/main">
+  <p:cSld>
+    <p:spTree>
+      <p:nvGrpSpPr>
+        <p:cNvPr id="1" name=""/>
+        <p:cNvGrpSpPr/>
+        <p:nvPr/>
+      </p:nvGrpSpPr>
+      <p:grpSpPr>
+        <a:xfrm>
+          <a:off x="0" y="0"/>
+          <a:ext cx="0" cy="0"/>
+          <a:chOff x="0" y="0"/>
+          <a:chExt cx="0" cy="0"/>
+        </a:xfrm>
+      </p:grpSpPr>
+      <p:sp>
+        <p:nvSpPr>
+          <p:cNvPr id="2" name="제목 1"/>
+          <p:cNvSpPr>
+            <a:spLocks noGrp="1"/>
+          </p:cNvSpPr>
+          <p:nvPr>
+            <p:ph type="title"/>
+          </p:nvPr>
+        </p:nvSpPr>
+        <p:spPr/>
+        <p:txBody>
+          <a:bodyPr/>
+          <a:lstStyle/>
+          <a:p>
+            <a:r>
+              <a:rPr lang="ko-KR" altLang="en-US" dirty="0" smtClean="0"/>
+              <a:t>회원가입 페이지</a:t>
+            </a:r>
+            <a:endParaRPr lang="ko-KR" altLang="en-US" dirty="0"/>
+          </a:p>
+        </p:txBody>
+      </p:sp>
+      <p:sp>
+        <p:nvSpPr>
+          <p:cNvPr id="3" name="텍스트 개체 틀 2"/>
+          <p:cNvSpPr>
+            <a:spLocks noGrp="1"/>
+          </p:cNvSpPr>
+          <p:nvPr>
+            <p:ph type="body" sz="quarter" idx="10"/>
+          </p:nvPr>
+        </p:nvSpPr>
+        <p:spPr/>
+        <p:txBody>
+          <a:bodyPr/>
+          <a:lstStyle/>
+          <a:p>
+            <a:r>
+              <a:rPr lang="ko-KR" altLang="en-US" dirty="0" err="1" smtClean="0"/>
+              <a:t>입력칸</a:t>
+            </a:r>
+            <a:endParaRPr lang="en-US" altLang="ko-KR" dirty="0" smtClean="0"/>
+          </a:p>
+          <a:p>
+            <a:pPr lvl="1"/>
+            <a:r>
+              <a:rPr lang="ko-KR" altLang="en-US" dirty="0" smtClean="0"/>
+              <a:t>아이디</a:t>
+            </a:r>
+            <a:endParaRPr lang="en-US" altLang="ko-KR" dirty="0" smtClean="0"/>
+          </a:p>
+          <a:p>
+            <a:pPr lvl="1"/>
+            <a:r>
+              <a:rPr lang="ko-KR" altLang="en-US" dirty="0" smtClean="0"/>
+              <a:t>비밀번호</a:t>
+            </a:r>
+            <a:endParaRPr lang="en-US" altLang="ko-KR" dirty="0" smtClean="0"/>
+          </a:p>
+          <a:p>
+            <a:pPr lvl="1"/>
+            <a:r>
+              <a:rPr lang="ko-KR" altLang="en-US" dirty="0" smtClean="0"/>
+              <a:t>비밀번호 확인</a:t>
+            </a:r>
+            <a:endParaRPr lang="en-US" altLang="ko-KR" dirty="0" smtClean="0"/>
+          </a:p>
+          <a:p>
+            <a:pPr lvl="1"/>
+            <a:r>
+              <a:rPr lang="ko-KR" altLang="en-US" dirty="0" smtClean="0"/>
+              <a:t>이름</a:t>
+            </a:r>
+            <a:endParaRPr lang="en-US" altLang="ko-KR" dirty="0" smtClean="0"/>
+          </a:p>
+          <a:p>
+            <a:pPr lvl="1"/>
+            <a:r>
+              <a:rPr lang="ko-KR" altLang="en-US" dirty="0" smtClean="0"/>
+              <a:t>주소</a:t>
+            </a:r>
+            <a:endParaRPr lang="en-US" altLang="ko-KR" dirty="0" smtClean="0"/>
+          </a:p>
+          <a:p>
+            <a:pPr lvl="1"/>
+            <a:r>
+              <a:rPr lang="ko-KR" altLang="en-US" dirty="0" smtClean="0"/>
+              <a:t>전화번호</a:t>
+            </a:r>
+            <a:endParaRPr lang="en-US" altLang="ko-KR" dirty="0" smtClean="0"/>
+          </a:p>
+          <a:p>
+            <a:r>
+              <a:rPr lang="ko-KR" altLang="en-US" dirty="0" smtClean="0"/>
+              <a:t>회원가입 버튼</a:t>
+            </a:r>
+            <a:endParaRPr lang="en-US" altLang="ko-KR" dirty="0" smtClean="0"/>
+          </a:p>
+          <a:p>
+            <a:pPr lvl="1"/>
+            <a:r>
+              <a:rPr lang="ko-KR" altLang="en-US" dirty="0" smtClean="0"/>
+              <a:t>회원가입 시도 후 성공하면 로그인 페이지로 이동</a:t>
+            </a:r>
+            <a:endParaRPr lang="ko-KR" altLang="en-US" dirty="0"/>
+          </a:p>
+        </p:txBody>
+      </p:sp>
+      <p:sp>
+        <p:nvSpPr>
+          <p:cNvPr id="4" name="직사각형 3"/>
+          <p:cNvSpPr/>
+          <p:nvPr/>
+        </p:nvSpPr>
+        <p:spPr>
+          <a:xfrm>
+            <a:off x="1951892" y="1287552"/>
+            <a:ext cx="3824654" cy="4360984"/>
+          </a:xfrm>
+          <a:prstGeom prst="rect">
+            <a:avLst/>
+          </a:prstGeom>
+        </p:spPr>
+        <p:style>
+          <a:lnRef idx="2">
+            <a:schemeClr val="dk1"/>
+          </a:lnRef>
+          <a:fillRef idx="1">
+            <a:schemeClr val="lt1"/>
+          </a:fillRef>
+          <a:effectRef idx="0">
+            <a:schemeClr val="dk1"/>
+          </a:effectRef>
+          <a:fontRef idx="minor">
+            <a:schemeClr val="dk1"/>
+          </a:fontRef>
+        </p:style>
+        <p:txBody>
+          <a:bodyPr rtlCol="0" anchor="ctr"/>
+          <a:lstStyle/>
+          <a:p>
+            <a:pPr algn="ctr"/>
+            <a:endParaRPr lang="ko-KR" altLang="en-US"/>
+          </a:p>
+        </p:txBody>
+      </p:sp>
+      <p:sp>
+        <p:nvSpPr>
+          <p:cNvPr id="5" name="직사각형 4"/>
+          <p:cNvSpPr/>
+          <p:nvPr/>
+        </p:nvSpPr>
+        <p:spPr>
+          <a:xfrm>
+            <a:off x="2312377" y="1626577"/>
+            <a:ext cx="3103685" cy="3006969"/>
+          </a:xfrm>
+          <a:prstGeom prst="rect">
+            <a:avLst/>
+          </a:prstGeom>
+        </p:spPr>
+        <p:style>
+          <a:lnRef idx="2">
+            <a:schemeClr val="accent4">
+              <a:shade val="50000"/>
+            </a:schemeClr>
+          </a:lnRef>
+          <a:fillRef idx="1">
+            <a:schemeClr val="accent4"/>
+          </a:fillRef>
+          <a:effectRef idx="0">
+            <a:schemeClr val="accent4"/>
+          </a:effectRef>
+          <a:fontRef idx="minor">
+            <a:schemeClr val="lt1"/>
+          </a:fontRef>
+        </p:style>
+        <p:txBody>
+          <a:bodyPr rtlCol="0" anchor="ctr"/>
+          <a:lstStyle/>
+          <a:p>
+            <a:pPr algn="ctr"/>
+            <a:r>
+              <a:rPr lang="ko-KR" altLang="en-US" smtClean="0"/>
+              <a:t>입력칸</a:t>
+            </a:r>
+            <a:endParaRPr lang="ko-KR" altLang="en-US" dirty="0"/>
+          </a:p>
+        </p:txBody>
+      </p:sp>
+      <p:sp>
+        <p:nvSpPr>
+          <p:cNvPr id="6" name="직사각형 5"/>
+          <p:cNvSpPr/>
+          <p:nvPr/>
+        </p:nvSpPr>
+        <p:spPr>
+          <a:xfrm>
+            <a:off x="2312377" y="4782845"/>
+            <a:ext cx="3103685" cy="602794"/>
+          </a:xfrm>
+          <a:prstGeom prst="rect">
+            <a:avLst/>
+          </a:prstGeom>
+        </p:spPr>
+        <p:style>
+          <a:lnRef idx="2">
+            <a:schemeClr val="accent3">
+              <a:shade val="50000"/>
+            </a:schemeClr>
+          </a:lnRef>
+          <a:fillRef idx="1">
+            <a:schemeClr val="accent3"/>
+          </a:fillRef>
+          <a:effectRef idx="0">
+            <a:schemeClr val="accent3"/>
+          </a:effectRef>
+          <a:fontRef idx="minor">
+            <a:schemeClr val="lt1"/>
+          </a:fontRef>
+        </p:style>
+        <p:txBody>
+          <a:bodyPr rtlCol="0" anchor="ctr"/>
+          <a:lstStyle/>
+          <a:p>
+            <a:pPr algn="ctr"/>
+            <a:r>
+              <a:rPr lang="ko-KR" altLang="en-US" dirty="0" smtClean="0"/>
+              <a:t>회원가입 버튼</a:t>
+            </a:r>
+            <a:endParaRPr lang="ko-KR" altLang="en-US" dirty="0"/>
+          </a:p>
+        </p:txBody>
+      </p:sp>
+    </p:spTree>
+    <p:extLst>
+      <p:ext uri="{BB962C8B-B14F-4D97-AF65-F5344CB8AC3E}">
+        <p14:creationId xmlns:p14="http://schemas.microsoft.com/office/powerpoint/2010/main" val="279759176"/>
+      </p:ext>
+    </p:extLst>
+  </p:cSld>
+  <p:clrMapOvr>
+    <a:masterClrMapping/>
+  </p:clrMapOvr>
+</p:sld>
+</file>
+
+<file path=ppt/slides/slide7.xml><?xml version="1.0" encoding="utf-8"?>
+<p:sld xmlns:a="http://schemas.openxmlformats.org/drawingml/2006/main" xmlns:r="http://schemas.openxmlformats.org/officeDocument/2006/relationships" xmlns:p="http://schemas.openxmlformats.org/presentationml/2006/main">
+  <p:cSld>
+    <p:spTree>
+      <p:nvGrpSpPr>
+        <p:cNvPr id="1" name=""/>
+        <p:cNvGrpSpPr/>
+        <p:nvPr/>
+      </p:nvGrpSpPr>
+      <p:grpSpPr>
+        <a:xfrm>
+          <a:off x="0" y="0"/>
+          <a:ext cx="0" cy="0"/>
+          <a:chOff x="0" y="0"/>
+          <a:chExt cx="0" cy="0"/>
+        </a:xfrm>
+      </p:grpSpPr>
+      <p:sp>
+        <p:nvSpPr>
+          <p:cNvPr id="2" name="제목 1"/>
+          <p:cNvSpPr>
+            <a:spLocks noGrp="1"/>
+          </p:cNvSpPr>
+          <p:nvPr>
+            <p:ph type="title"/>
+          </p:nvPr>
+        </p:nvSpPr>
+        <p:spPr/>
+        <p:txBody>
+          <a:bodyPr/>
+          <a:lstStyle/>
+          <a:p>
+            <a:r>
+              <a:rPr lang="ko-KR" altLang="en-US" dirty="0" smtClean="0"/>
+              <a:t>관리자 페이지</a:t>
+            </a:r>
+            <a:endParaRPr lang="ko-KR" altLang="en-US" dirty="0"/>
+          </a:p>
+        </p:txBody>
+      </p:sp>
+      <p:sp>
+        <p:nvSpPr>
+          <p:cNvPr id="3" name="텍스트 개체 틀 2"/>
+          <p:cNvSpPr>
+            <a:spLocks noGrp="1"/>
+          </p:cNvSpPr>
+          <p:nvPr>
+            <p:ph type="body" sz="quarter" idx="10"/>
+          </p:nvPr>
+        </p:nvSpPr>
+        <p:spPr/>
+        <p:txBody>
+          <a:bodyPr/>
+          <a:lstStyle/>
+          <a:p>
+            <a:endParaRPr lang="ko-KR" altLang="en-US"/>
+          </a:p>
+        </p:txBody>
+      </p:sp>
+    </p:spTree>
+    <p:extLst>
+      <p:ext uri="{BB962C8B-B14F-4D97-AF65-F5344CB8AC3E}">
+        <p14:creationId xmlns:p14="http://schemas.microsoft.com/office/powerpoint/2010/main" val="1390293688"/>
       </p:ext>
     </p:extLst>
   </p:cSld>

--- a/document/ppt/Hi Snack! 페이지 별 구성 요소.pptx
+++ b/document/ppt/Hi Snack! 페이지 별 구성 요소.pptx
@@ -12,6 +12,17 @@
     <p:sldId id="260" r:id="rId6"/>
     <p:sldId id="261" r:id="rId7"/>
     <p:sldId id="262" r:id="rId8"/>
+    <p:sldId id="263" r:id="rId9"/>
+    <p:sldId id="264" r:id="rId10"/>
+    <p:sldId id="265" r:id="rId11"/>
+    <p:sldId id="266" r:id="rId12"/>
+    <p:sldId id="267" r:id="rId13"/>
+    <p:sldId id="268" r:id="rId14"/>
+    <p:sldId id="269" r:id="rId15"/>
+    <p:sldId id="270" r:id="rId16"/>
+    <p:sldId id="271" r:id="rId17"/>
+    <p:sldId id="272" r:id="rId18"/>
+    <p:sldId id="273" r:id="rId19"/>
   </p:sldIdLst>
   <p:sldSz cx="12192000" cy="6858000"/>
   <p:notesSz cx="6858000" cy="9144000"/>
@@ -3136,6 +3147,1913 @@
 </p:sld>
 </file>
 
+<file path=ppt/slides/slide10.xml><?xml version="1.0" encoding="utf-8"?>
+<p:sld xmlns:a="http://schemas.openxmlformats.org/drawingml/2006/main" xmlns:r="http://schemas.openxmlformats.org/officeDocument/2006/relationships" xmlns:p="http://schemas.openxmlformats.org/presentationml/2006/main">
+  <p:cSld>
+    <p:spTree>
+      <p:nvGrpSpPr>
+        <p:cNvPr id="1" name=""/>
+        <p:cNvGrpSpPr/>
+        <p:nvPr/>
+      </p:nvGrpSpPr>
+      <p:grpSpPr>
+        <a:xfrm>
+          <a:off x="0" y="0"/>
+          <a:ext cx="0" cy="0"/>
+          <a:chOff x="0" y="0"/>
+          <a:chExt cx="0" cy="0"/>
+        </a:xfrm>
+      </p:grpSpPr>
+      <p:sp>
+        <p:nvSpPr>
+          <p:cNvPr id="2" name="제목 1"/>
+          <p:cNvSpPr>
+            <a:spLocks noGrp="1"/>
+          </p:cNvSpPr>
+          <p:nvPr>
+            <p:ph type="title"/>
+          </p:nvPr>
+        </p:nvSpPr>
+        <p:spPr/>
+        <p:txBody>
+          <a:bodyPr/>
+          <a:lstStyle/>
+          <a:p>
+            <a:r>
+              <a:rPr lang="ko-KR" altLang="en-US" dirty="0" smtClean="0"/>
+              <a:t>관리자 페이지 </a:t>
+            </a:r>
+            <a:r>
+              <a:rPr lang="en-US" altLang="ko-KR" dirty="0" smtClean="0"/>
+              <a:t>- </a:t>
+            </a:r>
+            <a:r>
+              <a:rPr lang="ko-KR" altLang="en-US" dirty="0" smtClean="0"/>
+              <a:t>구독</a:t>
+            </a:r>
+            <a:endParaRPr lang="ko-KR" altLang="en-US" dirty="0"/>
+          </a:p>
+        </p:txBody>
+      </p:sp>
+      <p:sp>
+        <p:nvSpPr>
+          <p:cNvPr id="3" name="텍스트 개체 틀 2"/>
+          <p:cNvSpPr>
+            <a:spLocks noGrp="1"/>
+          </p:cNvSpPr>
+          <p:nvPr>
+            <p:ph type="body" sz="quarter" idx="10"/>
+          </p:nvPr>
+        </p:nvSpPr>
+        <p:spPr/>
+        <p:txBody>
+          <a:bodyPr/>
+          <a:lstStyle/>
+          <a:p>
+            <a:r>
+              <a:rPr lang="ko-KR" altLang="en-US" dirty="0"/>
+              <a:t>테이블 컬럼</a:t>
+            </a:r>
+            <a:endParaRPr lang="en-US" altLang="ko-KR" dirty="0"/>
+          </a:p>
+          <a:p>
+            <a:pPr lvl="1"/>
+            <a:r>
+              <a:rPr lang="ko-KR" altLang="en-US" dirty="0"/>
+              <a:t>주문 번호</a:t>
+            </a:r>
+            <a:endParaRPr lang="en-US" altLang="ko-KR" dirty="0"/>
+          </a:p>
+          <a:p>
+            <a:pPr lvl="1"/>
+            <a:r>
+              <a:rPr lang="ko-KR" altLang="en-US" dirty="0"/>
+              <a:t>아이디</a:t>
+            </a:r>
+            <a:endParaRPr lang="en-US" altLang="ko-KR" dirty="0"/>
+          </a:p>
+          <a:p>
+            <a:pPr lvl="1"/>
+            <a:r>
+              <a:rPr lang="ko-KR" altLang="en-US" dirty="0"/>
+              <a:t>전화번호</a:t>
+            </a:r>
+            <a:endParaRPr lang="en-US" altLang="ko-KR" dirty="0"/>
+          </a:p>
+          <a:p>
+            <a:pPr lvl="1"/>
+            <a:r>
+              <a:rPr lang="ko-KR" altLang="en-US" dirty="0" err="1"/>
+              <a:t>주문날짜</a:t>
+            </a:r>
+            <a:endParaRPr lang="en-US" altLang="ko-KR" dirty="0"/>
+          </a:p>
+          <a:p>
+            <a:pPr lvl="1"/>
+            <a:r>
+              <a:rPr lang="ko-KR" altLang="en-US" dirty="0"/>
+              <a:t>총 가격</a:t>
+            </a:r>
+            <a:endParaRPr lang="en-US" altLang="ko-KR" dirty="0"/>
+          </a:p>
+          <a:p>
+            <a:r>
+              <a:rPr lang="ko-KR" altLang="en-US" dirty="0" err="1"/>
+              <a:t>모달</a:t>
+            </a:r>
+            <a:endParaRPr lang="en-US" altLang="ko-KR" dirty="0"/>
+          </a:p>
+          <a:p>
+            <a:pPr lvl="1"/>
+            <a:r>
+              <a:rPr lang="ko-KR" altLang="en-US" dirty="0"/>
+              <a:t>위 정보</a:t>
+            </a:r>
+            <a:endParaRPr lang="en-US" altLang="ko-KR" dirty="0"/>
+          </a:p>
+          <a:p>
+            <a:pPr lvl="1"/>
+            <a:r>
+              <a:rPr lang="ko-KR" altLang="en-US" dirty="0"/>
+              <a:t>주소</a:t>
+            </a:r>
+            <a:endParaRPr lang="en-US" altLang="ko-KR" dirty="0"/>
+          </a:p>
+          <a:p>
+            <a:pPr lvl="1"/>
+            <a:r>
+              <a:rPr lang="ko-KR" altLang="en-US" dirty="0"/>
+              <a:t>수령인</a:t>
+            </a:r>
+            <a:endParaRPr lang="en-US" altLang="ko-KR" dirty="0"/>
+          </a:p>
+          <a:p>
+            <a:pPr lvl="1"/>
+            <a:r>
+              <a:rPr lang="ko-KR" altLang="en-US" dirty="0"/>
+              <a:t>주문 제품</a:t>
+            </a:r>
+            <a:endParaRPr lang="en-US" altLang="ko-KR" dirty="0"/>
+          </a:p>
+          <a:p>
+            <a:pPr marL="457200" lvl="1" indent="0">
+              <a:buNone/>
+            </a:pPr>
+            <a:endParaRPr lang="ko-KR" altLang="en-US" dirty="0"/>
+          </a:p>
+        </p:txBody>
+      </p:sp>
+    </p:spTree>
+    <p:extLst>
+      <p:ext uri="{BB962C8B-B14F-4D97-AF65-F5344CB8AC3E}">
+        <p14:creationId xmlns:p14="http://schemas.microsoft.com/office/powerpoint/2010/main" val="2982715259"/>
+      </p:ext>
+    </p:extLst>
+  </p:cSld>
+  <p:clrMapOvr>
+    <a:masterClrMapping/>
+  </p:clrMapOvr>
+</p:sld>
+</file>
+
+<file path=ppt/slides/slide11.xml><?xml version="1.0" encoding="utf-8"?>
+<p:sld xmlns:a="http://schemas.openxmlformats.org/drawingml/2006/main" xmlns:r="http://schemas.openxmlformats.org/officeDocument/2006/relationships" xmlns:p="http://schemas.openxmlformats.org/presentationml/2006/main">
+  <p:cSld>
+    <p:spTree>
+      <p:nvGrpSpPr>
+        <p:cNvPr id="1" name=""/>
+        <p:cNvGrpSpPr/>
+        <p:nvPr/>
+      </p:nvGrpSpPr>
+      <p:grpSpPr>
+        <a:xfrm>
+          <a:off x="0" y="0"/>
+          <a:ext cx="0" cy="0"/>
+          <a:chOff x="0" y="0"/>
+          <a:chExt cx="0" cy="0"/>
+        </a:xfrm>
+      </p:grpSpPr>
+      <p:sp>
+        <p:nvSpPr>
+          <p:cNvPr id="2" name="제목 1"/>
+          <p:cNvSpPr>
+            <a:spLocks noGrp="1"/>
+          </p:cNvSpPr>
+          <p:nvPr>
+            <p:ph type="title"/>
+          </p:nvPr>
+        </p:nvSpPr>
+        <p:spPr/>
+        <p:txBody>
+          <a:bodyPr/>
+          <a:lstStyle/>
+          <a:p>
+            <a:r>
+              <a:rPr lang="ko-KR" altLang="en-US" dirty="0" smtClean="0"/>
+              <a:t>관리자 페이지 </a:t>
+            </a:r>
+            <a:r>
+              <a:rPr lang="en-US" altLang="ko-KR" dirty="0" smtClean="0"/>
+              <a:t>- </a:t>
+            </a:r>
+            <a:r>
+              <a:rPr lang="ko-KR" altLang="en-US" dirty="0" smtClean="0"/>
+              <a:t>태그</a:t>
+            </a:r>
+            <a:endParaRPr lang="ko-KR" altLang="en-US" dirty="0"/>
+          </a:p>
+        </p:txBody>
+      </p:sp>
+      <p:sp>
+        <p:nvSpPr>
+          <p:cNvPr id="3" name="텍스트 개체 틀 2"/>
+          <p:cNvSpPr>
+            <a:spLocks noGrp="1"/>
+          </p:cNvSpPr>
+          <p:nvPr>
+            <p:ph type="body" sz="quarter" idx="10"/>
+          </p:nvPr>
+        </p:nvSpPr>
+        <p:spPr/>
+        <p:txBody>
+          <a:bodyPr/>
+          <a:lstStyle/>
+          <a:p>
+            <a:r>
+              <a:rPr lang="ko-KR" altLang="en-US" dirty="0" smtClean="0"/>
+              <a:t>테이블의 컬럼</a:t>
+            </a:r>
+            <a:endParaRPr lang="en-US" altLang="ko-KR" dirty="0" smtClean="0"/>
+          </a:p>
+          <a:p>
+            <a:pPr lvl="1"/>
+            <a:r>
+              <a:rPr lang="ko-KR" altLang="en-US" dirty="0" smtClean="0"/>
+              <a:t>태그 번호</a:t>
+            </a:r>
+            <a:endParaRPr lang="en-US" altLang="ko-KR" dirty="0" smtClean="0"/>
+          </a:p>
+          <a:p>
+            <a:pPr lvl="1"/>
+            <a:r>
+              <a:rPr lang="ko-KR" altLang="en-US" dirty="0" smtClean="0"/>
+              <a:t>태그 내용</a:t>
+            </a:r>
+            <a:endParaRPr lang="ko-KR" altLang="en-US" dirty="0"/>
+          </a:p>
+        </p:txBody>
+      </p:sp>
+    </p:spTree>
+    <p:extLst>
+      <p:ext uri="{BB962C8B-B14F-4D97-AF65-F5344CB8AC3E}">
+        <p14:creationId xmlns:p14="http://schemas.microsoft.com/office/powerpoint/2010/main" val="933183364"/>
+      </p:ext>
+    </p:extLst>
+  </p:cSld>
+  <p:clrMapOvr>
+    <a:masterClrMapping/>
+  </p:clrMapOvr>
+</p:sld>
+</file>
+
+<file path=ppt/slides/slide12.xml><?xml version="1.0" encoding="utf-8"?>
+<p:sld xmlns:a="http://schemas.openxmlformats.org/drawingml/2006/main" xmlns:r="http://schemas.openxmlformats.org/officeDocument/2006/relationships" xmlns:p="http://schemas.openxmlformats.org/presentationml/2006/main">
+  <p:cSld>
+    <p:spTree>
+      <p:nvGrpSpPr>
+        <p:cNvPr id="1" name=""/>
+        <p:cNvGrpSpPr/>
+        <p:nvPr/>
+      </p:nvGrpSpPr>
+      <p:grpSpPr>
+        <a:xfrm>
+          <a:off x="0" y="0"/>
+          <a:ext cx="0" cy="0"/>
+          <a:chOff x="0" y="0"/>
+          <a:chExt cx="0" cy="0"/>
+        </a:xfrm>
+      </p:grpSpPr>
+      <p:sp>
+        <p:nvSpPr>
+          <p:cNvPr id="2" name="제목 1"/>
+          <p:cNvSpPr>
+            <a:spLocks noGrp="1"/>
+          </p:cNvSpPr>
+          <p:nvPr>
+            <p:ph type="title"/>
+          </p:nvPr>
+        </p:nvSpPr>
+        <p:spPr/>
+        <p:txBody>
+          <a:bodyPr/>
+          <a:lstStyle/>
+          <a:p>
+            <a:r>
+              <a:rPr lang="ko-KR" altLang="en-US" dirty="0" smtClean="0"/>
+              <a:t>관리자 페이지 </a:t>
+            </a:r>
+            <a:r>
+              <a:rPr lang="en-US" altLang="ko-KR" dirty="0" smtClean="0"/>
+              <a:t>- </a:t>
+            </a:r>
+            <a:r>
+              <a:rPr lang="ko-KR" altLang="en-US" dirty="0" smtClean="0"/>
+              <a:t>리뷰</a:t>
+            </a:r>
+            <a:endParaRPr lang="ko-KR" altLang="en-US" dirty="0"/>
+          </a:p>
+        </p:txBody>
+      </p:sp>
+      <p:sp>
+        <p:nvSpPr>
+          <p:cNvPr id="3" name="텍스트 개체 틀 2"/>
+          <p:cNvSpPr>
+            <a:spLocks noGrp="1"/>
+          </p:cNvSpPr>
+          <p:nvPr>
+            <p:ph type="body" sz="quarter" idx="10"/>
+          </p:nvPr>
+        </p:nvSpPr>
+        <p:spPr/>
+        <p:txBody>
+          <a:bodyPr/>
+          <a:lstStyle/>
+          <a:p>
+            <a:r>
+              <a:rPr lang="ko-KR" altLang="en-US" dirty="0" smtClean="0"/>
+              <a:t>테이블의 컬럼</a:t>
+            </a:r>
+            <a:endParaRPr lang="en-US" altLang="ko-KR" dirty="0" smtClean="0"/>
+          </a:p>
+          <a:p>
+            <a:pPr lvl="1"/>
+            <a:r>
+              <a:rPr lang="ko-KR" altLang="en-US" dirty="0" smtClean="0"/>
+              <a:t>리뷰 번호</a:t>
+            </a:r>
+            <a:endParaRPr lang="en-US" altLang="ko-KR" dirty="0" smtClean="0"/>
+          </a:p>
+          <a:p>
+            <a:pPr lvl="1"/>
+            <a:r>
+              <a:rPr lang="ko-KR" altLang="en-US" dirty="0" smtClean="0"/>
+              <a:t>아이디</a:t>
+            </a:r>
+            <a:endParaRPr lang="en-US" altLang="ko-KR" dirty="0" smtClean="0"/>
+          </a:p>
+          <a:p>
+            <a:pPr lvl="1"/>
+            <a:r>
+              <a:rPr lang="ko-KR" altLang="en-US" dirty="0" err="1" smtClean="0"/>
+              <a:t>작성날짜</a:t>
+            </a:r>
+            <a:endParaRPr lang="en-US" altLang="ko-KR" dirty="0" smtClean="0"/>
+          </a:p>
+          <a:p>
+            <a:pPr lvl="1"/>
+            <a:r>
+              <a:rPr lang="ko-KR" altLang="en-US" dirty="0" err="1" smtClean="0"/>
+              <a:t>별점</a:t>
+            </a:r>
+            <a:endParaRPr lang="en-US" altLang="ko-KR" dirty="0" smtClean="0"/>
+          </a:p>
+          <a:p>
+            <a:r>
+              <a:rPr lang="ko-KR" altLang="en-US" dirty="0" err="1" smtClean="0"/>
+              <a:t>모달</a:t>
+            </a:r>
+            <a:endParaRPr lang="en-US" altLang="ko-KR" dirty="0" smtClean="0"/>
+          </a:p>
+          <a:p>
+            <a:pPr lvl="1"/>
+            <a:r>
+              <a:rPr lang="ko-KR" altLang="en-US" dirty="0" smtClean="0"/>
+              <a:t>위 내용</a:t>
+            </a:r>
+            <a:endParaRPr lang="en-US" altLang="ko-KR" dirty="0" smtClean="0"/>
+          </a:p>
+          <a:p>
+            <a:pPr lvl="1"/>
+            <a:r>
+              <a:rPr lang="ko-KR" altLang="en-US" dirty="0" smtClean="0"/>
+              <a:t>내용</a:t>
+            </a:r>
+            <a:endParaRPr lang="en-US" altLang="ko-KR" dirty="0" smtClean="0"/>
+          </a:p>
+          <a:p>
+            <a:pPr lvl="1"/>
+            <a:r>
+              <a:rPr lang="ko-KR" altLang="en-US" dirty="0" smtClean="0"/>
+              <a:t>리뷰 이미지들</a:t>
+            </a:r>
+            <a:endParaRPr lang="en-US" altLang="ko-KR" dirty="0" smtClean="0"/>
+          </a:p>
+        </p:txBody>
+      </p:sp>
+    </p:spTree>
+    <p:extLst>
+      <p:ext uri="{BB962C8B-B14F-4D97-AF65-F5344CB8AC3E}">
+        <p14:creationId xmlns:p14="http://schemas.microsoft.com/office/powerpoint/2010/main" val="3967908296"/>
+      </p:ext>
+    </p:extLst>
+  </p:cSld>
+  <p:clrMapOvr>
+    <a:masterClrMapping/>
+  </p:clrMapOvr>
+</p:sld>
+</file>
+
+<file path=ppt/slides/slide13.xml><?xml version="1.0" encoding="utf-8"?>
+<p:sld xmlns:a="http://schemas.openxmlformats.org/drawingml/2006/main" xmlns:r="http://schemas.openxmlformats.org/officeDocument/2006/relationships" xmlns:p="http://schemas.openxmlformats.org/presentationml/2006/main">
+  <p:cSld>
+    <p:spTree>
+      <p:nvGrpSpPr>
+        <p:cNvPr id="1" name=""/>
+        <p:cNvGrpSpPr/>
+        <p:nvPr/>
+      </p:nvGrpSpPr>
+      <p:grpSpPr>
+        <a:xfrm>
+          <a:off x="0" y="0"/>
+          <a:ext cx="0" cy="0"/>
+          <a:chOff x="0" y="0"/>
+          <a:chExt cx="0" cy="0"/>
+        </a:xfrm>
+      </p:grpSpPr>
+      <p:sp>
+        <p:nvSpPr>
+          <p:cNvPr id="2" name="제목 1"/>
+          <p:cNvSpPr>
+            <a:spLocks noGrp="1"/>
+          </p:cNvSpPr>
+          <p:nvPr>
+            <p:ph type="title"/>
+          </p:nvPr>
+        </p:nvSpPr>
+        <p:spPr/>
+        <p:txBody>
+          <a:bodyPr/>
+          <a:lstStyle/>
+          <a:p>
+            <a:r>
+              <a:rPr lang="ko-KR" altLang="en-US" dirty="0" smtClean="0"/>
+              <a:t>관리자 페이지 </a:t>
+            </a:r>
+            <a:r>
+              <a:rPr lang="en-US" altLang="ko-KR" dirty="0" smtClean="0"/>
+              <a:t>- </a:t>
+            </a:r>
+            <a:r>
+              <a:rPr lang="ko-KR" altLang="en-US" dirty="0" smtClean="0"/>
+              <a:t>회원</a:t>
+            </a:r>
+            <a:endParaRPr lang="ko-KR" altLang="en-US" dirty="0"/>
+          </a:p>
+        </p:txBody>
+      </p:sp>
+      <p:sp>
+        <p:nvSpPr>
+          <p:cNvPr id="3" name="텍스트 개체 틀 2"/>
+          <p:cNvSpPr>
+            <a:spLocks noGrp="1"/>
+          </p:cNvSpPr>
+          <p:nvPr>
+            <p:ph type="body" sz="quarter" idx="10"/>
+          </p:nvPr>
+        </p:nvSpPr>
+        <p:spPr/>
+        <p:txBody>
+          <a:bodyPr/>
+          <a:lstStyle/>
+          <a:p>
+            <a:r>
+              <a:rPr lang="ko-KR" altLang="en-US" dirty="0" smtClean="0"/>
+              <a:t>테이블의 컬럼</a:t>
+            </a:r>
+            <a:endParaRPr lang="en-US" altLang="ko-KR" dirty="0" smtClean="0"/>
+          </a:p>
+          <a:p>
+            <a:pPr lvl="1"/>
+            <a:r>
+              <a:rPr lang="ko-KR" altLang="en-US" dirty="0" smtClean="0"/>
+              <a:t>아이디</a:t>
+            </a:r>
+            <a:endParaRPr lang="en-US" altLang="ko-KR" dirty="0" smtClean="0"/>
+          </a:p>
+          <a:p>
+            <a:pPr lvl="1"/>
+            <a:r>
+              <a:rPr lang="ko-KR" altLang="en-US" dirty="0" smtClean="0"/>
+              <a:t>이름</a:t>
+            </a:r>
+            <a:endParaRPr lang="en-US" altLang="ko-KR" dirty="0" smtClean="0"/>
+          </a:p>
+          <a:p>
+            <a:pPr lvl="1"/>
+            <a:r>
+              <a:rPr lang="ko-KR" altLang="en-US" dirty="0" smtClean="0"/>
+              <a:t>전화번호</a:t>
+            </a:r>
+            <a:endParaRPr lang="en-US" altLang="ko-KR" dirty="0" smtClean="0"/>
+          </a:p>
+          <a:p>
+            <a:pPr lvl="1"/>
+            <a:r>
+              <a:rPr lang="ko-KR" altLang="en-US" dirty="0" err="1" smtClean="0"/>
+              <a:t>관리레벨</a:t>
+            </a:r>
+            <a:endParaRPr lang="en-US" altLang="ko-KR" dirty="0" smtClean="0"/>
+          </a:p>
+          <a:p>
+            <a:pPr lvl="2"/>
+            <a:r>
+              <a:rPr lang="en-US" altLang="ko-KR" sz="1200" dirty="0" smtClean="0"/>
+              <a:t>0 : </a:t>
+            </a:r>
+            <a:r>
+              <a:rPr lang="ko-KR" altLang="en-US" sz="1200" dirty="0" smtClean="0"/>
+              <a:t>일반</a:t>
+            </a:r>
+            <a:r>
+              <a:rPr lang="en-US" altLang="ko-KR" sz="1200" dirty="0" smtClean="0"/>
+              <a:t>, 1 : </a:t>
+            </a:r>
+            <a:r>
+              <a:rPr lang="ko-KR" altLang="en-US" sz="1200" dirty="0" smtClean="0"/>
+              <a:t>관리자</a:t>
+            </a:r>
+            <a:endParaRPr lang="en-US" altLang="ko-KR" sz="1200" dirty="0" smtClean="0"/>
+          </a:p>
+          <a:p>
+            <a:r>
+              <a:rPr lang="ko-KR" altLang="en-US" dirty="0" err="1" smtClean="0"/>
+              <a:t>모달</a:t>
+            </a:r>
+            <a:endParaRPr lang="en-US" altLang="ko-KR" dirty="0" smtClean="0"/>
+          </a:p>
+          <a:p>
+            <a:pPr lvl="1"/>
+            <a:r>
+              <a:rPr lang="ko-KR" altLang="en-US" dirty="0" smtClean="0"/>
+              <a:t>위 정보</a:t>
+            </a:r>
+            <a:endParaRPr lang="en-US" altLang="ko-KR" dirty="0" smtClean="0"/>
+          </a:p>
+          <a:p>
+            <a:pPr lvl="1"/>
+            <a:r>
+              <a:rPr lang="ko-KR" altLang="en-US" dirty="0" smtClean="0"/>
+              <a:t>주소</a:t>
+            </a:r>
+            <a:endParaRPr lang="en-US" altLang="ko-KR" dirty="0" smtClean="0"/>
+          </a:p>
+          <a:p>
+            <a:pPr lvl="1"/>
+            <a:r>
+              <a:rPr lang="ko-KR" altLang="en-US" dirty="0" smtClean="0"/>
+              <a:t>회원이 선택한 태그</a:t>
+            </a:r>
+            <a:endParaRPr lang="ko-KR" altLang="en-US" dirty="0"/>
+          </a:p>
+        </p:txBody>
+      </p:sp>
+    </p:spTree>
+    <p:extLst>
+      <p:ext uri="{BB962C8B-B14F-4D97-AF65-F5344CB8AC3E}">
+        <p14:creationId xmlns:p14="http://schemas.microsoft.com/office/powerpoint/2010/main" val="4030954206"/>
+      </p:ext>
+    </p:extLst>
+  </p:cSld>
+  <p:clrMapOvr>
+    <a:masterClrMapping/>
+  </p:clrMapOvr>
+</p:sld>
+</file>
+
+<file path=ppt/slides/slide14.xml><?xml version="1.0" encoding="utf-8"?>
+<p:sld xmlns:a="http://schemas.openxmlformats.org/drawingml/2006/main" xmlns:r="http://schemas.openxmlformats.org/officeDocument/2006/relationships" xmlns:p="http://schemas.openxmlformats.org/presentationml/2006/main">
+  <p:cSld>
+    <p:spTree>
+      <p:nvGrpSpPr>
+        <p:cNvPr id="1" name=""/>
+        <p:cNvGrpSpPr/>
+        <p:nvPr/>
+      </p:nvGrpSpPr>
+      <p:grpSpPr>
+        <a:xfrm>
+          <a:off x="0" y="0"/>
+          <a:ext cx="0" cy="0"/>
+          <a:chOff x="0" y="0"/>
+          <a:chExt cx="0" cy="0"/>
+        </a:xfrm>
+      </p:grpSpPr>
+      <p:sp>
+        <p:nvSpPr>
+          <p:cNvPr id="2" name="제목 1"/>
+          <p:cNvSpPr>
+            <a:spLocks noGrp="1"/>
+          </p:cNvSpPr>
+          <p:nvPr>
+            <p:ph type="title"/>
+          </p:nvPr>
+        </p:nvSpPr>
+        <p:spPr/>
+        <p:txBody>
+          <a:bodyPr/>
+          <a:lstStyle/>
+          <a:p>
+            <a:r>
+              <a:rPr lang="ko-KR" altLang="en-US" dirty="0" smtClean="0"/>
+              <a:t>구독 페이지</a:t>
+            </a:r>
+            <a:endParaRPr lang="ko-KR" altLang="en-US" dirty="0"/>
+          </a:p>
+        </p:txBody>
+      </p:sp>
+      <p:sp>
+        <p:nvSpPr>
+          <p:cNvPr id="3" name="텍스트 개체 틀 2"/>
+          <p:cNvSpPr>
+            <a:spLocks noGrp="1"/>
+          </p:cNvSpPr>
+          <p:nvPr>
+            <p:ph type="body" sz="quarter" idx="10"/>
+          </p:nvPr>
+        </p:nvSpPr>
+        <p:spPr/>
+        <p:txBody>
+          <a:bodyPr/>
+          <a:lstStyle/>
+          <a:p>
+            <a:r>
+              <a:rPr lang="ko-KR" altLang="en-US" dirty="0" smtClean="0"/>
+              <a:t>구독 설명</a:t>
+            </a:r>
+            <a:endParaRPr lang="en-US" altLang="ko-KR" dirty="0" smtClean="0"/>
+          </a:p>
+          <a:p>
+            <a:r>
+              <a:rPr lang="ko-KR" altLang="en-US" dirty="0" smtClean="0"/>
+              <a:t>구독 시작 링크</a:t>
+            </a:r>
+            <a:r>
+              <a:rPr lang="en-US" altLang="ko-KR" dirty="0" smtClean="0"/>
+              <a:t>(</a:t>
+            </a:r>
+            <a:r>
+              <a:rPr lang="ko-KR" altLang="en-US" dirty="0" smtClean="0"/>
+              <a:t>태그 선택</a:t>
+            </a:r>
+            <a:r>
+              <a:rPr lang="en-US" altLang="ko-KR" dirty="0" smtClean="0"/>
+              <a:t>)</a:t>
+            </a:r>
+          </a:p>
+          <a:p>
+            <a:r>
+              <a:rPr lang="ko-KR" altLang="en-US" dirty="0" smtClean="0"/>
+              <a:t>구독 금액 설정</a:t>
+            </a:r>
+            <a:endParaRPr lang="ko-KR" altLang="en-US" dirty="0"/>
+          </a:p>
+        </p:txBody>
+      </p:sp>
+      <p:sp>
+        <p:nvSpPr>
+          <p:cNvPr id="4" name="직사각형 3"/>
+          <p:cNvSpPr/>
+          <p:nvPr/>
+        </p:nvSpPr>
+        <p:spPr>
+          <a:xfrm>
+            <a:off x="536331" y="1494692"/>
+            <a:ext cx="3270738" cy="3323493"/>
+          </a:xfrm>
+          <a:prstGeom prst="rect">
+            <a:avLst/>
+          </a:prstGeom>
+        </p:spPr>
+        <p:style>
+          <a:lnRef idx="2">
+            <a:schemeClr val="accent1">
+              <a:shade val="50000"/>
+            </a:schemeClr>
+          </a:lnRef>
+          <a:fillRef idx="1">
+            <a:schemeClr val="accent1"/>
+          </a:fillRef>
+          <a:effectRef idx="0">
+            <a:schemeClr val="accent1"/>
+          </a:effectRef>
+          <a:fontRef idx="minor">
+            <a:schemeClr val="lt1"/>
+          </a:fontRef>
+        </p:style>
+        <p:txBody>
+          <a:bodyPr rtlCol="0" anchor="ctr"/>
+          <a:lstStyle/>
+          <a:p>
+            <a:pPr algn="ctr"/>
+            <a:r>
+              <a:rPr lang="ko-KR" altLang="en-US" dirty="0" smtClean="0"/>
+              <a:t>이미지</a:t>
+            </a:r>
+            <a:endParaRPr lang="ko-KR" altLang="en-US" dirty="0"/>
+          </a:p>
+        </p:txBody>
+      </p:sp>
+      <p:sp>
+        <p:nvSpPr>
+          <p:cNvPr id="5" name="직사각형 4"/>
+          <p:cNvSpPr/>
+          <p:nvPr/>
+        </p:nvSpPr>
+        <p:spPr>
+          <a:xfrm>
+            <a:off x="4242486" y="1494692"/>
+            <a:ext cx="2545176" cy="518746"/>
+          </a:xfrm>
+          <a:prstGeom prst="rect">
+            <a:avLst/>
+          </a:prstGeom>
+        </p:spPr>
+        <p:style>
+          <a:lnRef idx="2">
+            <a:schemeClr val="accent1">
+              <a:shade val="50000"/>
+            </a:schemeClr>
+          </a:lnRef>
+          <a:fillRef idx="1">
+            <a:schemeClr val="accent1"/>
+          </a:fillRef>
+          <a:effectRef idx="0">
+            <a:schemeClr val="accent1"/>
+          </a:effectRef>
+          <a:fontRef idx="minor">
+            <a:schemeClr val="lt1"/>
+          </a:fontRef>
+        </p:style>
+        <p:txBody>
+          <a:bodyPr rtlCol="0" anchor="ctr"/>
+          <a:lstStyle/>
+          <a:p>
+            <a:pPr algn="ctr"/>
+            <a:r>
+              <a:rPr lang="ko-KR" altLang="en-US" dirty="0" smtClean="0"/>
+              <a:t>구독 이름</a:t>
+            </a:r>
+            <a:endParaRPr lang="ko-KR" altLang="en-US" dirty="0"/>
+          </a:p>
+        </p:txBody>
+      </p:sp>
+      <p:sp>
+        <p:nvSpPr>
+          <p:cNvPr id="6" name="직사각형 5"/>
+          <p:cNvSpPr/>
+          <p:nvPr/>
+        </p:nvSpPr>
+        <p:spPr>
+          <a:xfrm>
+            <a:off x="4158762" y="2162908"/>
+            <a:ext cx="2611315" cy="1125415"/>
+          </a:xfrm>
+          <a:prstGeom prst="rect">
+            <a:avLst/>
+          </a:prstGeom>
+        </p:spPr>
+        <p:style>
+          <a:lnRef idx="2">
+            <a:schemeClr val="accent1">
+              <a:shade val="50000"/>
+            </a:schemeClr>
+          </a:lnRef>
+          <a:fillRef idx="1">
+            <a:schemeClr val="accent1"/>
+          </a:fillRef>
+          <a:effectRef idx="0">
+            <a:schemeClr val="accent1"/>
+          </a:effectRef>
+          <a:fontRef idx="minor">
+            <a:schemeClr val="lt1"/>
+          </a:fontRef>
+        </p:style>
+        <p:txBody>
+          <a:bodyPr rtlCol="0" anchor="ctr"/>
+          <a:lstStyle/>
+          <a:p>
+            <a:pPr algn="ctr"/>
+            <a:r>
+              <a:rPr lang="ko-KR" altLang="en-US" dirty="0" smtClean="0"/>
+              <a:t>구독 설명</a:t>
+            </a:r>
+            <a:endParaRPr lang="ko-KR" altLang="en-US" dirty="0"/>
+          </a:p>
+        </p:txBody>
+      </p:sp>
+      <p:sp>
+        <p:nvSpPr>
+          <p:cNvPr id="7" name="직사각형 6"/>
+          <p:cNvSpPr/>
+          <p:nvPr/>
+        </p:nvSpPr>
+        <p:spPr>
+          <a:xfrm>
+            <a:off x="4242486" y="3569677"/>
+            <a:ext cx="997729" cy="246185"/>
+          </a:xfrm>
+          <a:prstGeom prst="rect">
+            <a:avLst/>
+          </a:prstGeom>
+        </p:spPr>
+        <p:style>
+          <a:lnRef idx="2">
+            <a:schemeClr val="accent1">
+              <a:shade val="50000"/>
+            </a:schemeClr>
+          </a:lnRef>
+          <a:fillRef idx="1">
+            <a:schemeClr val="accent1"/>
+          </a:fillRef>
+          <a:effectRef idx="0">
+            <a:schemeClr val="accent1"/>
+          </a:effectRef>
+          <a:fontRef idx="minor">
+            <a:schemeClr val="lt1"/>
+          </a:fontRef>
+        </p:style>
+        <p:txBody>
+          <a:bodyPr rtlCol="0" anchor="ctr"/>
+          <a:lstStyle/>
+          <a:p>
+            <a:pPr algn="ctr"/>
+            <a:r>
+              <a:rPr lang="ko-KR" altLang="en-US" dirty="0" smtClean="0"/>
+              <a:t>금액</a:t>
+            </a:r>
+            <a:endParaRPr lang="ko-KR" altLang="en-US" dirty="0"/>
+          </a:p>
+        </p:txBody>
+      </p:sp>
+      <p:sp>
+        <p:nvSpPr>
+          <p:cNvPr id="8" name="직사각형 7"/>
+          <p:cNvSpPr/>
+          <p:nvPr/>
+        </p:nvSpPr>
+        <p:spPr>
+          <a:xfrm>
+            <a:off x="4258495" y="4255477"/>
+            <a:ext cx="2529167" cy="413238"/>
+          </a:xfrm>
+          <a:prstGeom prst="rect">
+            <a:avLst/>
+          </a:prstGeom>
+        </p:spPr>
+        <p:style>
+          <a:lnRef idx="2">
+            <a:schemeClr val="accent1">
+              <a:shade val="50000"/>
+            </a:schemeClr>
+          </a:lnRef>
+          <a:fillRef idx="1">
+            <a:schemeClr val="accent1"/>
+          </a:fillRef>
+          <a:effectRef idx="0">
+            <a:schemeClr val="accent1"/>
+          </a:effectRef>
+          <a:fontRef idx="minor">
+            <a:schemeClr val="lt1"/>
+          </a:fontRef>
+        </p:style>
+        <p:txBody>
+          <a:bodyPr rtlCol="0" anchor="ctr"/>
+          <a:lstStyle/>
+          <a:p>
+            <a:pPr algn="ctr"/>
+            <a:r>
+              <a:rPr lang="ko-KR" altLang="en-US" dirty="0" smtClean="0"/>
+              <a:t>구독 하기 버튼</a:t>
+            </a:r>
+            <a:endParaRPr lang="ko-KR" altLang="en-US" dirty="0"/>
+          </a:p>
+        </p:txBody>
+      </p:sp>
+    </p:spTree>
+    <p:extLst>
+      <p:ext uri="{BB962C8B-B14F-4D97-AF65-F5344CB8AC3E}">
+        <p14:creationId xmlns:p14="http://schemas.microsoft.com/office/powerpoint/2010/main" val="927238179"/>
+      </p:ext>
+    </p:extLst>
+  </p:cSld>
+  <p:clrMapOvr>
+    <a:masterClrMapping/>
+  </p:clrMapOvr>
+</p:sld>
+</file>
+
+<file path=ppt/slides/slide15.xml><?xml version="1.0" encoding="utf-8"?>
+<p:sld xmlns:a="http://schemas.openxmlformats.org/drawingml/2006/main" xmlns:r="http://schemas.openxmlformats.org/officeDocument/2006/relationships" xmlns:p="http://schemas.openxmlformats.org/presentationml/2006/main">
+  <p:cSld>
+    <p:spTree>
+      <p:nvGrpSpPr>
+        <p:cNvPr id="1" name=""/>
+        <p:cNvGrpSpPr/>
+        <p:nvPr/>
+      </p:nvGrpSpPr>
+      <p:grpSpPr>
+        <a:xfrm>
+          <a:off x="0" y="0"/>
+          <a:ext cx="0" cy="0"/>
+          <a:chOff x="0" y="0"/>
+          <a:chExt cx="0" cy="0"/>
+        </a:xfrm>
+      </p:grpSpPr>
+      <p:sp>
+        <p:nvSpPr>
+          <p:cNvPr id="2" name="제목 1"/>
+          <p:cNvSpPr>
+            <a:spLocks noGrp="1"/>
+          </p:cNvSpPr>
+          <p:nvPr>
+            <p:ph type="title"/>
+          </p:nvPr>
+        </p:nvSpPr>
+        <p:spPr/>
+        <p:txBody>
+          <a:bodyPr/>
+          <a:lstStyle/>
+          <a:p>
+            <a:r>
+              <a:rPr lang="ko-KR" altLang="en-US" dirty="0" smtClean="0"/>
+              <a:t>장바구니</a:t>
+            </a:r>
+            <a:endParaRPr lang="ko-KR" altLang="en-US" dirty="0"/>
+          </a:p>
+        </p:txBody>
+      </p:sp>
+      <p:sp>
+        <p:nvSpPr>
+          <p:cNvPr id="3" name="텍스트 개체 틀 2"/>
+          <p:cNvSpPr>
+            <a:spLocks noGrp="1"/>
+          </p:cNvSpPr>
+          <p:nvPr>
+            <p:ph type="body" sz="quarter" idx="10"/>
+          </p:nvPr>
+        </p:nvSpPr>
+        <p:spPr/>
+        <p:txBody>
+          <a:bodyPr/>
+          <a:lstStyle/>
+          <a:p>
+            <a:r>
+              <a:rPr lang="ko-KR" altLang="en-US" dirty="0" smtClean="0"/>
+              <a:t>지금까지 선택한 상품 리스트</a:t>
+            </a:r>
+            <a:endParaRPr lang="en-US" altLang="ko-KR" dirty="0" smtClean="0"/>
+          </a:p>
+          <a:p>
+            <a:r>
+              <a:rPr lang="ko-KR" altLang="en-US" dirty="0" smtClean="0"/>
+              <a:t>결제 페이지로 가는 링크</a:t>
+            </a:r>
+            <a:endParaRPr lang="en-US" altLang="ko-KR" dirty="0" smtClean="0"/>
+          </a:p>
+          <a:p>
+            <a:r>
+              <a:rPr lang="ko-KR" altLang="en-US" dirty="0" smtClean="0"/>
+              <a:t>장바구니에서 제외하기 버튼</a:t>
+            </a:r>
+            <a:endParaRPr lang="ko-KR" altLang="en-US" dirty="0"/>
+          </a:p>
+        </p:txBody>
+      </p:sp>
+      <p:sp>
+        <p:nvSpPr>
+          <p:cNvPr id="4" name="직사각형 3"/>
+          <p:cNvSpPr/>
+          <p:nvPr/>
+        </p:nvSpPr>
+        <p:spPr>
+          <a:xfrm>
+            <a:off x="2193878" y="2497015"/>
+            <a:ext cx="4097216" cy="2215661"/>
+          </a:xfrm>
+          <a:prstGeom prst="rect">
+            <a:avLst/>
+          </a:prstGeom>
+        </p:spPr>
+        <p:style>
+          <a:lnRef idx="2">
+            <a:schemeClr val="accent1">
+              <a:shade val="50000"/>
+            </a:schemeClr>
+          </a:lnRef>
+          <a:fillRef idx="1">
+            <a:schemeClr val="accent1"/>
+          </a:fillRef>
+          <a:effectRef idx="0">
+            <a:schemeClr val="accent1"/>
+          </a:effectRef>
+          <a:fontRef idx="minor">
+            <a:schemeClr val="lt1"/>
+          </a:fontRef>
+        </p:style>
+        <p:txBody>
+          <a:bodyPr rtlCol="0" anchor="ctr"/>
+          <a:lstStyle/>
+          <a:p>
+            <a:pPr algn="ctr"/>
+            <a:r>
+              <a:rPr lang="ko-KR" altLang="en-US" smtClean="0"/>
+              <a:t>상품 리스트</a:t>
+            </a:r>
+            <a:endParaRPr lang="ko-KR" altLang="en-US"/>
+          </a:p>
+        </p:txBody>
+      </p:sp>
+      <p:sp>
+        <p:nvSpPr>
+          <p:cNvPr id="5" name="직사각형 4"/>
+          <p:cNvSpPr/>
+          <p:nvPr/>
+        </p:nvSpPr>
+        <p:spPr>
+          <a:xfrm>
+            <a:off x="5099934" y="4898187"/>
+            <a:ext cx="1191160" cy="334107"/>
+          </a:xfrm>
+          <a:prstGeom prst="rect">
+            <a:avLst/>
+          </a:prstGeom>
+        </p:spPr>
+        <p:style>
+          <a:lnRef idx="2">
+            <a:schemeClr val="accent1">
+              <a:shade val="50000"/>
+            </a:schemeClr>
+          </a:lnRef>
+          <a:fillRef idx="1">
+            <a:schemeClr val="accent1"/>
+          </a:fillRef>
+          <a:effectRef idx="0">
+            <a:schemeClr val="accent1"/>
+          </a:effectRef>
+          <a:fontRef idx="minor">
+            <a:schemeClr val="lt1"/>
+          </a:fontRef>
+        </p:style>
+        <p:txBody>
+          <a:bodyPr rtlCol="0" anchor="ctr"/>
+          <a:lstStyle/>
+          <a:p>
+            <a:pPr algn="ctr"/>
+            <a:r>
+              <a:rPr lang="ko-KR" altLang="en-US" smtClean="0"/>
+              <a:t>결제</a:t>
+            </a:r>
+            <a:endParaRPr lang="ko-KR" altLang="en-US" dirty="0"/>
+          </a:p>
+        </p:txBody>
+      </p:sp>
+    </p:spTree>
+    <p:extLst>
+      <p:ext uri="{BB962C8B-B14F-4D97-AF65-F5344CB8AC3E}">
+        <p14:creationId xmlns:p14="http://schemas.microsoft.com/office/powerpoint/2010/main" val="3888291389"/>
+      </p:ext>
+    </p:extLst>
+  </p:cSld>
+  <p:clrMapOvr>
+    <a:masterClrMapping/>
+  </p:clrMapOvr>
+</p:sld>
+</file>
+
+<file path=ppt/slides/slide16.xml><?xml version="1.0" encoding="utf-8"?>
+<p:sld xmlns:a="http://schemas.openxmlformats.org/drawingml/2006/main" xmlns:r="http://schemas.openxmlformats.org/officeDocument/2006/relationships" xmlns:p="http://schemas.openxmlformats.org/presentationml/2006/main">
+  <p:cSld>
+    <p:spTree>
+      <p:nvGrpSpPr>
+        <p:cNvPr id="1" name=""/>
+        <p:cNvGrpSpPr/>
+        <p:nvPr/>
+      </p:nvGrpSpPr>
+      <p:grpSpPr>
+        <a:xfrm>
+          <a:off x="0" y="0"/>
+          <a:ext cx="0" cy="0"/>
+          <a:chOff x="0" y="0"/>
+          <a:chExt cx="0" cy="0"/>
+        </a:xfrm>
+      </p:grpSpPr>
+      <p:sp>
+        <p:nvSpPr>
+          <p:cNvPr id="2" name="제목 1"/>
+          <p:cNvSpPr>
+            <a:spLocks noGrp="1"/>
+          </p:cNvSpPr>
+          <p:nvPr>
+            <p:ph type="title"/>
+          </p:nvPr>
+        </p:nvSpPr>
+        <p:spPr/>
+        <p:txBody>
+          <a:bodyPr/>
+          <a:lstStyle/>
+          <a:p>
+            <a:r>
+              <a:rPr lang="ko-KR" altLang="en-US" dirty="0" smtClean="0"/>
+              <a:t>결제 페이지 </a:t>
+            </a:r>
+            <a:r>
+              <a:rPr lang="en-US" altLang="ko-KR" dirty="0" smtClean="0"/>
+              <a:t>- </a:t>
+            </a:r>
+            <a:r>
+              <a:rPr lang="ko-KR" altLang="en-US" dirty="0" smtClean="0"/>
+              <a:t>주문</a:t>
+            </a:r>
+            <a:endParaRPr lang="ko-KR" altLang="en-US" dirty="0"/>
+          </a:p>
+        </p:txBody>
+      </p:sp>
+      <p:sp>
+        <p:nvSpPr>
+          <p:cNvPr id="3" name="텍스트 개체 틀 2"/>
+          <p:cNvSpPr>
+            <a:spLocks noGrp="1"/>
+          </p:cNvSpPr>
+          <p:nvPr>
+            <p:ph type="body" sz="quarter" idx="10"/>
+          </p:nvPr>
+        </p:nvSpPr>
+        <p:spPr/>
+        <p:txBody>
+          <a:bodyPr/>
+          <a:lstStyle/>
+          <a:p>
+            <a:r>
+              <a:rPr lang="ko-KR" altLang="en-US" dirty="0" smtClean="0"/>
+              <a:t>결제하는 상품 목록</a:t>
+            </a:r>
+            <a:endParaRPr lang="en-US" altLang="ko-KR" dirty="0" smtClean="0"/>
+          </a:p>
+          <a:p>
+            <a:pPr lvl="1"/>
+            <a:r>
+              <a:rPr lang="ko-KR" altLang="en-US" dirty="0" smtClean="0"/>
+              <a:t>사진</a:t>
+            </a:r>
+            <a:endParaRPr lang="en-US" altLang="ko-KR" dirty="0" smtClean="0"/>
+          </a:p>
+          <a:p>
+            <a:pPr lvl="1"/>
+            <a:r>
+              <a:rPr lang="ko-KR" altLang="en-US" dirty="0" smtClean="0"/>
+              <a:t>상품 이름</a:t>
+            </a:r>
+            <a:endParaRPr lang="en-US" altLang="ko-KR" dirty="0" smtClean="0"/>
+          </a:p>
+          <a:p>
+            <a:pPr lvl="1"/>
+            <a:r>
+              <a:rPr lang="ko-KR" altLang="en-US" dirty="0" smtClean="0"/>
+              <a:t>가격</a:t>
+            </a:r>
+            <a:endParaRPr lang="en-US" altLang="ko-KR" dirty="0" smtClean="0"/>
+          </a:p>
+          <a:p>
+            <a:pPr lvl="1"/>
+            <a:r>
+              <a:rPr lang="ko-KR" altLang="en-US" dirty="0" smtClean="0"/>
+              <a:t>같은 상품 개수</a:t>
+            </a:r>
+            <a:endParaRPr lang="en-US" altLang="ko-KR" dirty="0" smtClean="0"/>
+          </a:p>
+          <a:p>
+            <a:pPr lvl="1"/>
+            <a:r>
+              <a:rPr lang="ko-KR" altLang="en-US" dirty="0" smtClean="0"/>
+              <a:t>결제 확인 체크박스</a:t>
+            </a:r>
+            <a:endParaRPr lang="en-US" altLang="ko-KR" dirty="0" smtClean="0"/>
+          </a:p>
+          <a:p>
+            <a:pPr lvl="1"/>
+            <a:r>
+              <a:rPr lang="ko-KR" altLang="en-US" dirty="0" smtClean="0"/>
+              <a:t>총 가격</a:t>
+            </a:r>
+            <a:endParaRPr lang="en-US" altLang="ko-KR" dirty="0" smtClean="0"/>
+          </a:p>
+          <a:p>
+            <a:r>
+              <a:rPr lang="ko-KR" altLang="en-US" dirty="0" smtClean="0"/>
+              <a:t>결제 양식</a:t>
+            </a:r>
+            <a:endParaRPr lang="en-US" altLang="ko-KR" dirty="0" smtClean="0"/>
+          </a:p>
+          <a:p>
+            <a:pPr lvl="1"/>
+            <a:r>
+              <a:rPr lang="ko-KR" altLang="en-US" dirty="0" smtClean="0"/>
+              <a:t>주소</a:t>
+            </a:r>
+            <a:endParaRPr lang="en-US" altLang="ko-KR" dirty="0" smtClean="0"/>
+          </a:p>
+          <a:p>
+            <a:pPr lvl="1"/>
+            <a:r>
+              <a:rPr lang="ko-KR" altLang="en-US" dirty="0" smtClean="0"/>
+              <a:t>수령인</a:t>
+            </a:r>
+            <a:endParaRPr lang="en-US" altLang="ko-KR" dirty="0" smtClean="0"/>
+          </a:p>
+          <a:p>
+            <a:pPr lvl="1"/>
+            <a:r>
+              <a:rPr lang="ko-KR" altLang="en-US" dirty="0" smtClean="0"/>
+              <a:t>전화번호</a:t>
+            </a:r>
+            <a:endParaRPr lang="en-US" altLang="ko-KR" dirty="0" smtClean="0"/>
+          </a:p>
+          <a:p>
+            <a:r>
+              <a:rPr lang="ko-KR" altLang="en-US" dirty="0" smtClean="0"/>
+              <a:t>확인</a:t>
+            </a:r>
+            <a:endParaRPr lang="en-US" altLang="ko-KR" dirty="0" smtClean="0"/>
+          </a:p>
+          <a:p>
+            <a:pPr lvl="1"/>
+            <a:r>
+              <a:rPr lang="ko-KR" altLang="en-US" dirty="0" smtClean="0"/>
+              <a:t>결제 확인 페이지로 이동</a:t>
+            </a:r>
+            <a:endParaRPr lang="en-US" altLang="ko-KR" dirty="0" smtClean="0"/>
+          </a:p>
+        </p:txBody>
+      </p:sp>
+      <p:sp>
+        <p:nvSpPr>
+          <p:cNvPr id="9" name="직사각형 8"/>
+          <p:cNvSpPr/>
+          <p:nvPr/>
+        </p:nvSpPr>
+        <p:spPr>
+          <a:xfrm>
+            <a:off x="1982862" y="1345223"/>
+            <a:ext cx="4097216" cy="1556240"/>
+          </a:xfrm>
+          <a:prstGeom prst="rect">
+            <a:avLst/>
+          </a:prstGeom>
+        </p:spPr>
+        <p:style>
+          <a:lnRef idx="2">
+            <a:schemeClr val="accent1">
+              <a:shade val="50000"/>
+            </a:schemeClr>
+          </a:lnRef>
+          <a:fillRef idx="1">
+            <a:schemeClr val="accent1"/>
+          </a:fillRef>
+          <a:effectRef idx="0">
+            <a:schemeClr val="accent1"/>
+          </a:effectRef>
+          <a:fontRef idx="minor">
+            <a:schemeClr val="lt1"/>
+          </a:fontRef>
+        </p:style>
+        <p:txBody>
+          <a:bodyPr rtlCol="0" anchor="ctr"/>
+          <a:lstStyle/>
+          <a:p>
+            <a:pPr algn="ctr"/>
+            <a:r>
+              <a:rPr lang="ko-KR" altLang="en-US" dirty="0" smtClean="0"/>
+              <a:t>상품 리스트</a:t>
+            </a:r>
+            <a:endParaRPr lang="ko-KR" altLang="en-US" dirty="0"/>
+          </a:p>
+        </p:txBody>
+      </p:sp>
+      <p:sp>
+        <p:nvSpPr>
+          <p:cNvPr id="10" name="직사각형 9"/>
+          <p:cNvSpPr/>
+          <p:nvPr/>
+        </p:nvSpPr>
+        <p:spPr>
+          <a:xfrm>
+            <a:off x="4888918" y="5962055"/>
+            <a:ext cx="1191160" cy="334107"/>
+          </a:xfrm>
+          <a:prstGeom prst="rect">
+            <a:avLst/>
+          </a:prstGeom>
+        </p:spPr>
+        <p:style>
+          <a:lnRef idx="2">
+            <a:schemeClr val="accent1">
+              <a:shade val="50000"/>
+            </a:schemeClr>
+          </a:lnRef>
+          <a:fillRef idx="1">
+            <a:schemeClr val="accent1"/>
+          </a:fillRef>
+          <a:effectRef idx="0">
+            <a:schemeClr val="accent1"/>
+          </a:effectRef>
+          <a:fontRef idx="minor">
+            <a:schemeClr val="lt1"/>
+          </a:fontRef>
+        </p:style>
+        <p:txBody>
+          <a:bodyPr rtlCol="0" anchor="ctr"/>
+          <a:lstStyle/>
+          <a:p>
+            <a:pPr algn="ctr"/>
+            <a:r>
+              <a:rPr lang="ko-KR" altLang="en-US" dirty="0" smtClean="0"/>
+              <a:t>확인</a:t>
+            </a:r>
+            <a:endParaRPr lang="ko-KR" altLang="en-US" dirty="0"/>
+          </a:p>
+        </p:txBody>
+      </p:sp>
+      <p:sp>
+        <p:nvSpPr>
+          <p:cNvPr id="11" name="직사각형 10"/>
+          <p:cNvSpPr/>
+          <p:nvPr/>
+        </p:nvSpPr>
+        <p:spPr>
+          <a:xfrm>
+            <a:off x="1982862" y="3560883"/>
+            <a:ext cx="4097216" cy="2215661"/>
+          </a:xfrm>
+          <a:prstGeom prst="rect">
+            <a:avLst/>
+          </a:prstGeom>
+        </p:spPr>
+        <p:style>
+          <a:lnRef idx="2">
+            <a:schemeClr val="accent1">
+              <a:shade val="50000"/>
+            </a:schemeClr>
+          </a:lnRef>
+          <a:fillRef idx="1">
+            <a:schemeClr val="accent1"/>
+          </a:fillRef>
+          <a:effectRef idx="0">
+            <a:schemeClr val="accent1"/>
+          </a:effectRef>
+          <a:fontRef idx="minor">
+            <a:schemeClr val="lt1"/>
+          </a:fontRef>
+        </p:style>
+        <p:txBody>
+          <a:bodyPr rtlCol="0" anchor="ctr"/>
+          <a:lstStyle/>
+          <a:p>
+            <a:pPr algn="ctr"/>
+            <a:r>
+              <a:rPr lang="ko-KR" altLang="en-US" smtClean="0"/>
+              <a:t>결제 양식</a:t>
+            </a:r>
+            <a:endParaRPr lang="ko-KR" altLang="en-US" dirty="0"/>
+          </a:p>
+        </p:txBody>
+      </p:sp>
+      <p:sp>
+        <p:nvSpPr>
+          <p:cNvPr id="12" name="직사각형 11"/>
+          <p:cNvSpPr/>
+          <p:nvPr/>
+        </p:nvSpPr>
+        <p:spPr>
+          <a:xfrm>
+            <a:off x="1982862" y="2901462"/>
+            <a:ext cx="4097216" cy="659421"/>
+          </a:xfrm>
+          <a:prstGeom prst="rect">
+            <a:avLst/>
+          </a:prstGeom>
+        </p:spPr>
+        <p:style>
+          <a:lnRef idx="2">
+            <a:schemeClr val="accent1">
+              <a:shade val="50000"/>
+            </a:schemeClr>
+          </a:lnRef>
+          <a:fillRef idx="1">
+            <a:schemeClr val="accent1"/>
+          </a:fillRef>
+          <a:effectRef idx="0">
+            <a:schemeClr val="accent1"/>
+          </a:effectRef>
+          <a:fontRef idx="minor">
+            <a:schemeClr val="lt1"/>
+          </a:fontRef>
+        </p:style>
+        <p:txBody>
+          <a:bodyPr rtlCol="0" anchor="ctr"/>
+          <a:lstStyle/>
+          <a:p>
+            <a:pPr algn="ctr"/>
+            <a:r>
+              <a:rPr lang="ko-KR" altLang="en-US" dirty="0" smtClean="0"/>
+              <a:t>총 가격</a:t>
+            </a:r>
+            <a:endParaRPr lang="ko-KR" altLang="en-US" dirty="0"/>
+          </a:p>
+        </p:txBody>
+      </p:sp>
+    </p:spTree>
+    <p:extLst>
+      <p:ext uri="{BB962C8B-B14F-4D97-AF65-F5344CB8AC3E}">
+        <p14:creationId xmlns:p14="http://schemas.microsoft.com/office/powerpoint/2010/main" val="2672410740"/>
+      </p:ext>
+    </p:extLst>
+  </p:cSld>
+  <p:clrMapOvr>
+    <a:masterClrMapping/>
+  </p:clrMapOvr>
+</p:sld>
+</file>
+
+<file path=ppt/slides/slide17.xml><?xml version="1.0" encoding="utf-8"?>
+<p:sld xmlns:a="http://schemas.openxmlformats.org/drawingml/2006/main" xmlns:r="http://schemas.openxmlformats.org/officeDocument/2006/relationships" xmlns:p="http://schemas.openxmlformats.org/presentationml/2006/main">
+  <p:cSld>
+    <p:spTree>
+      <p:nvGrpSpPr>
+        <p:cNvPr id="1" name=""/>
+        <p:cNvGrpSpPr/>
+        <p:nvPr/>
+      </p:nvGrpSpPr>
+      <p:grpSpPr>
+        <a:xfrm>
+          <a:off x="0" y="0"/>
+          <a:ext cx="0" cy="0"/>
+          <a:chOff x="0" y="0"/>
+          <a:chExt cx="0" cy="0"/>
+        </a:xfrm>
+      </p:grpSpPr>
+      <p:sp>
+        <p:nvSpPr>
+          <p:cNvPr id="2" name="제목 1"/>
+          <p:cNvSpPr>
+            <a:spLocks noGrp="1"/>
+          </p:cNvSpPr>
+          <p:nvPr>
+            <p:ph type="title"/>
+          </p:nvPr>
+        </p:nvSpPr>
+        <p:spPr/>
+        <p:txBody>
+          <a:bodyPr/>
+          <a:lstStyle/>
+          <a:p>
+            <a:r>
+              <a:rPr lang="ko-KR" altLang="en-US" dirty="0" smtClean="0"/>
+              <a:t>결제 페이지 </a:t>
+            </a:r>
+            <a:r>
+              <a:rPr lang="en-US" altLang="ko-KR" dirty="0" smtClean="0"/>
+              <a:t>- </a:t>
+            </a:r>
+            <a:r>
+              <a:rPr lang="ko-KR" altLang="en-US" dirty="0" smtClean="0"/>
+              <a:t>구독</a:t>
+            </a:r>
+            <a:endParaRPr lang="ko-KR" altLang="en-US" dirty="0"/>
+          </a:p>
+        </p:txBody>
+      </p:sp>
+      <p:sp>
+        <p:nvSpPr>
+          <p:cNvPr id="3" name="텍스트 개체 틀 2"/>
+          <p:cNvSpPr>
+            <a:spLocks noGrp="1"/>
+          </p:cNvSpPr>
+          <p:nvPr>
+            <p:ph type="body" sz="quarter" idx="10"/>
+          </p:nvPr>
+        </p:nvSpPr>
+        <p:spPr/>
+        <p:txBody>
+          <a:bodyPr/>
+          <a:lstStyle/>
+          <a:p>
+            <a:r>
+              <a:rPr lang="ko-KR" altLang="en-US" dirty="0" smtClean="0"/>
+              <a:t>구독 가격</a:t>
+            </a:r>
+            <a:endParaRPr lang="en-US" altLang="ko-KR" dirty="0" smtClean="0"/>
+          </a:p>
+          <a:p>
+            <a:r>
+              <a:rPr lang="ko-KR" altLang="en-US" dirty="0" smtClean="0"/>
+              <a:t>결제 양식</a:t>
+            </a:r>
+            <a:endParaRPr lang="en-US" altLang="ko-KR" dirty="0" smtClean="0"/>
+          </a:p>
+          <a:p>
+            <a:pPr lvl="1"/>
+            <a:r>
+              <a:rPr lang="ko-KR" altLang="en-US" dirty="0" smtClean="0"/>
+              <a:t>주소</a:t>
+            </a:r>
+            <a:endParaRPr lang="en-US" altLang="ko-KR" dirty="0" smtClean="0"/>
+          </a:p>
+          <a:p>
+            <a:pPr lvl="1"/>
+            <a:r>
+              <a:rPr lang="ko-KR" altLang="en-US" dirty="0" smtClean="0"/>
+              <a:t>수령인</a:t>
+            </a:r>
+            <a:endParaRPr lang="en-US" altLang="ko-KR" dirty="0" smtClean="0"/>
+          </a:p>
+          <a:p>
+            <a:pPr lvl="1"/>
+            <a:r>
+              <a:rPr lang="ko-KR" altLang="en-US" dirty="0" smtClean="0"/>
+              <a:t>전화번호</a:t>
+            </a:r>
+            <a:endParaRPr lang="en-US" altLang="ko-KR" dirty="0" smtClean="0"/>
+          </a:p>
+          <a:p>
+            <a:r>
+              <a:rPr lang="ko-KR" altLang="en-US" dirty="0" smtClean="0"/>
+              <a:t>확인 버튼</a:t>
+            </a:r>
+            <a:endParaRPr lang="en-US" altLang="ko-KR" dirty="0" smtClean="0"/>
+          </a:p>
+          <a:p>
+            <a:pPr lvl="1"/>
+            <a:r>
+              <a:rPr lang="ko-KR" altLang="en-US" dirty="0" smtClean="0"/>
+              <a:t>결제 확인 페이지</a:t>
+            </a:r>
+            <a:endParaRPr lang="en-US" altLang="ko-KR" dirty="0" smtClean="0"/>
+          </a:p>
+          <a:p>
+            <a:r>
+              <a:rPr lang="ko-KR" altLang="en-US" strike="sngStrike" dirty="0" smtClean="0"/>
+              <a:t>취소 버튼</a:t>
+            </a:r>
+            <a:endParaRPr lang="en-US" altLang="ko-KR" strike="sngStrike" dirty="0" smtClean="0"/>
+          </a:p>
+          <a:p>
+            <a:pPr lvl="1"/>
+            <a:r>
+              <a:rPr lang="ko-KR" altLang="en-US" strike="sngStrike" dirty="0" smtClean="0"/>
+              <a:t>이전 페이지로 이동</a:t>
+            </a:r>
+            <a:endParaRPr lang="en-US" altLang="ko-KR" strike="sngStrike" dirty="0" smtClean="0"/>
+          </a:p>
+        </p:txBody>
+      </p:sp>
+      <p:sp>
+        <p:nvSpPr>
+          <p:cNvPr id="4" name="직사각형 3"/>
+          <p:cNvSpPr/>
+          <p:nvPr/>
+        </p:nvSpPr>
+        <p:spPr>
+          <a:xfrm>
+            <a:off x="1573822" y="1441939"/>
+            <a:ext cx="4220307" cy="914400"/>
+          </a:xfrm>
+          <a:prstGeom prst="rect">
+            <a:avLst/>
+          </a:prstGeom>
+        </p:spPr>
+        <p:style>
+          <a:lnRef idx="2">
+            <a:schemeClr val="accent1">
+              <a:shade val="50000"/>
+            </a:schemeClr>
+          </a:lnRef>
+          <a:fillRef idx="1">
+            <a:schemeClr val="accent1"/>
+          </a:fillRef>
+          <a:effectRef idx="0">
+            <a:schemeClr val="accent1"/>
+          </a:effectRef>
+          <a:fontRef idx="minor">
+            <a:schemeClr val="lt1"/>
+          </a:fontRef>
+        </p:style>
+        <p:txBody>
+          <a:bodyPr rtlCol="0" anchor="ctr"/>
+          <a:lstStyle/>
+          <a:p>
+            <a:pPr algn="ctr"/>
+            <a:r>
+              <a:rPr lang="ko-KR" altLang="en-US" smtClean="0"/>
+              <a:t>가격</a:t>
+            </a:r>
+            <a:endParaRPr lang="ko-KR" altLang="en-US"/>
+          </a:p>
+        </p:txBody>
+      </p:sp>
+      <p:sp>
+        <p:nvSpPr>
+          <p:cNvPr id="5" name="직사각형 4"/>
+          <p:cNvSpPr/>
+          <p:nvPr/>
+        </p:nvSpPr>
+        <p:spPr>
+          <a:xfrm>
+            <a:off x="1573822" y="2356338"/>
+            <a:ext cx="4220307" cy="2277207"/>
+          </a:xfrm>
+          <a:prstGeom prst="rect">
+            <a:avLst/>
+          </a:prstGeom>
+        </p:spPr>
+        <p:style>
+          <a:lnRef idx="2">
+            <a:schemeClr val="accent1">
+              <a:shade val="50000"/>
+            </a:schemeClr>
+          </a:lnRef>
+          <a:fillRef idx="1">
+            <a:schemeClr val="accent1"/>
+          </a:fillRef>
+          <a:effectRef idx="0">
+            <a:schemeClr val="accent1"/>
+          </a:effectRef>
+          <a:fontRef idx="minor">
+            <a:schemeClr val="lt1"/>
+          </a:fontRef>
+        </p:style>
+        <p:txBody>
+          <a:bodyPr rtlCol="0" anchor="ctr"/>
+          <a:lstStyle/>
+          <a:p>
+            <a:pPr algn="ctr"/>
+            <a:r>
+              <a:rPr lang="ko-KR" altLang="en-US" dirty="0" smtClean="0"/>
+              <a:t>결제 양식</a:t>
+            </a:r>
+            <a:endParaRPr lang="ko-KR" altLang="en-US" dirty="0"/>
+          </a:p>
+        </p:txBody>
+      </p:sp>
+      <p:sp>
+        <p:nvSpPr>
+          <p:cNvPr id="6" name="직사각형 5"/>
+          <p:cNvSpPr/>
+          <p:nvPr/>
+        </p:nvSpPr>
+        <p:spPr>
+          <a:xfrm>
+            <a:off x="4463670" y="4932484"/>
+            <a:ext cx="1330459" cy="571499"/>
+          </a:xfrm>
+          <a:prstGeom prst="rect">
+            <a:avLst/>
+          </a:prstGeom>
+        </p:spPr>
+        <p:style>
+          <a:lnRef idx="2">
+            <a:schemeClr val="accent1">
+              <a:shade val="50000"/>
+            </a:schemeClr>
+          </a:lnRef>
+          <a:fillRef idx="1">
+            <a:schemeClr val="accent1"/>
+          </a:fillRef>
+          <a:effectRef idx="0">
+            <a:schemeClr val="accent1"/>
+          </a:effectRef>
+          <a:fontRef idx="minor">
+            <a:schemeClr val="lt1"/>
+          </a:fontRef>
+        </p:style>
+        <p:txBody>
+          <a:bodyPr rtlCol="0" anchor="ctr"/>
+          <a:lstStyle/>
+          <a:p>
+            <a:pPr algn="ctr"/>
+            <a:r>
+              <a:rPr lang="ko-KR" altLang="en-US" smtClean="0"/>
+              <a:t>확인</a:t>
+            </a:r>
+            <a:endParaRPr lang="ko-KR" altLang="en-US" dirty="0"/>
+          </a:p>
+        </p:txBody>
+      </p:sp>
+    </p:spTree>
+    <p:extLst>
+      <p:ext uri="{BB962C8B-B14F-4D97-AF65-F5344CB8AC3E}">
+        <p14:creationId xmlns:p14="http://schemas.microsoft.com/office/powerpoint/2010/main" val="1374466083"/>
+      </p:ext>
+    </p:extLst>
+  </p:cSld>
+  <p:clrMapOvr>
+    <a:masterClrMapping/>
+  </p:clrMapOvr>
+</p:sld>
+</file>
+
+<file path=ppt/slides/slide18.xml><?xml version="1.0" encoding="utf-8"?>
+<p:sld xmlns:a="http://schemas.openxmlformats.org/drawingml/2006/main" xmlns:r="http://schemas.openxmlformats.org/officeDocument/2006/relationships" xmlns:p="http://schemas.openxmlformats.org/presentationml/2006/main">
+  <p:cSld>
+    <p:spTree>
+      <p:nvGrpSpPr>
+        <p:cNvPr id="1" name=""/>
+        <p:cNvGrpSpPr/>
+        <p:nvPr/>
+      </p:nvGrpSpPr>
+      <p:grpSpPr>
+        <a:xfrm>
+          <a:off x="0" y="0"/>
+          <a:ext cx="0" cy="0"/>
+          <a:chOff x="0" y="0"/>
+          <a:chExt cx="0" cy="0"/>
+        </a:xfrm>
+      </p:grpSpPr>
+      <p:sp>
+        <p:nvSpPr>
+          <p:cNvPr id="2" name="제목 1"/>
+          <p:cNvSpPr>
+            <a:spLocks noGrp="1"/>
+          </p:cNvSpPr>
+          <p:nvPr>
+            <p:ph type="title"/>
+          </p:nvPr>
+        </p:nvSpPr>
+        <p:spPr/>
+        <p:txBody>
+          <a:bodyPr/>
+          <a:lstStyle/>
+          <a:p>
+            <a:r>
+              <a:rPr lang="ko-KR" altLang="en-US" dirty="0" smtClean="0"/>
+              <a:t>결제 확인 페이지</a:t>
+            </a:r>
+            <a:endParaRPr lang="ko-KR" altLang="en-US" dirty="0"/>
+          </a:p>
+        </p:txBody>
+      </p:sp>
+      <p:sp>
+        <p:nvSpPr>
+          <p:cNvPr id="3" name="텍스트 개체 틀 2"/>
+          <p:cNvSpPr>
+            <a:spLocks noGrp="1"/>
+          </p:cNvSpPr>
+          <p:nvPr>
+            <p:ph type="body" sz="quarter" idx="10"/>
+          </p:nvPr>
+        </p:nvSpPr>
+        <p:spPr/>
+        <p:txBody>
+          <a:bodyPr/>
+          <a:lstStyle/>
+          <a:p>
+            <a:r>
+              <a:rPr lang="ko-KR" altLang="en-US" dirty="0" smtClean="0"/>
+              <a:t>안내</a:t>
+            </a:r>
+            <a:endParaRPr lang="en-US" altLang="ko-KR" dirty="0" smtClean="0"/>
+          </a:p>
+          <a:p>
+            <a:pPr lvl="1"/>
+            <a:r>
+              <a:rPr lang="ko-KR" altLang="en-US" dirty="0" smtClean="0"/>
+              <a:t>결제가 정상적으로 완료되었습니다</a:t>
+            </a:r>
+            <a:r>
+              <a:rPr lang="en-US" altLang="ko-KR" dirty="0" smtClean="0"/>
+              <a:t>.</a:t>
+            </a:r>
+          </a:p>
+          <a:p>
+            <a:r>
+              <a:rPr lang="ko-KR" altLang="en-US" dirty="0" smtClean="0"/>
+              <a:t>확인 버튼</a:t>
+            </a:r>
+            <a:endParaRPr lang="en-US" altLang="ko-KR" dirty="0" smtClean="0"/>
+          </a:p>
+          <a:p>
+            <a:pPr lvl="1"/>
+            <a:r>
+              <a:rPr lang="ko-KR" altLang="en-US" dirty="0"/>
+              <a:t>메인 페이지로 이동 </a:t>
+            </a:r>
+            <a:r>
+              <a:rPr lang="ko-KR" altLang="en-US" dirty="0" smtClean="0"/>
+              <a:t>링크</a:t>
+            </a:r>
+            <a:endParaRPr lang="ko-KR" altLang="en-US" dirty="0"/>
+          </a:p>
+        </p:txBody>
+      </p:sp>
+      <p:sp>
+        <p:nvSpPr>
+          <p:cNvPr id="4" name="직사각형 3"/>
+          <p:cNvSpPr/>
+          <p:nvPr/>
+        </p:nvSpPr>
+        <p:spPr>
+          <a:xfrm>
+            <a:off x="1239715" y="1811215"/>
+            <a:ext cx="4545623" cy="2250831"/>
+          </a:xfrm>
+          <a:prstGeom prst="rect">
+            <a:avLst/>
+          </a:prstGeom>
+        </p:spPr>
+        <p:style>
+          <a:lnRef idx="2">
+            <a:schemeClr val="accent1">
+              <a:shade val="50000"/>
+            </a:schemeClr>
+          </a:lnRef>
+          <a:fillRef idx="1">
+            <a:schemeClr val="accent1"/>
+          </a:fillRef>
+          <a:effectRef idx="0">
+            <a:schemeClr val="accent1"/>
+          </a:effectRef>
+          <a:fontRef idx="minor">
+            <a:schemeClr val="lt1"/>
+          </a:fontRef>
+        </p:style>
+        <p:txBody>
+          <a:bodyPr rtlCol="0" anchor="ctr"/>
+          <a:lstStyle/>
+          <a:p>
+            <a:pPr algn="ctr"/>
+            <a:r>
+              <a:rPr lang="ko-KR" altLang="en-US" dirty="0" smtClean="0"/>
+              <a:t>안내 텍스트</a:t>
+            </a:r>
+            <a:endParaRPr lang="ko-KR" altLang="en-US" dirty="0"/>
+          </a:p>
+        </p:txBody>
+      </p:sp>
+      <p:sp>
+        <p:nvSpPr>
+          <p:cNvPr id="5" name="직사각형 4"/>
+          <p:cNvSpPr/>
+          <p:nvPr/>
+        </p:nvSpPr>
+        <p:spPr>
+          <a:xfrm>
+            <a:off x="4501662" y="4343400"/>
+            <a:ext cx="1011115" cy="395654"/>
+          </a:xfrm>
+          <a:prstGeom prst="rect">
+            <a:avLst/>
+          </a:prstGeom>
+        </p:spPr>
+        <p:style>
+          <a:lnRef idx="2">
+            <a:schemeClr val="accent1">
+              <a:shade val="50000"/>
+            </a:schemeClr>
+          </a:lnRef>
+          <a:fillRef idx="1">
+            <a:schemeClr val="accent1"/>
+          </a:fillRef>
+          <a:effectRef idx="0">
+            <a:schemeClr val="accent1"/>
+          </a:effectRef>
+          <a:fontRef idx="minor">
+            <a:schemeClr val="lt1"/>
+          </a:fontRef>
+        </p:style>
+        <p:txBody>
+          <a:bodyPr rtlCol="0" anchor="ctr"/>
+          <a:lstStyle/>
+          <a:p>
+            <a:pPr algn="ctr"/>
+            <a:r>
+              <a:rPr lang="ko-KR" altLang="en-US" dirty="0" smtClean="0"/>
+              <a:t>확인</a:t>
+            </a:r>
+            <a:endParaRPr lang="ko-KR" altLang="en-US" dirty="0"/>
+          </a:p>
+        </p:txBody>
+      </p:sp>
+    </p:spTree>
+    <p:extLst>
+      <p:ext uri="{BB962C8B-B14F-4D97-AF65-F5344CB8AC3E}">
+        <p14:creationId xmlns:p14="http://schemas.microsoft.com/office/powerpoint/2010/main" val="852336200"/>
+      </p:ext>
+    </p:extLst>
+  </p:cSld>
+  <p:clrMapOvr>
+    <a:masterClrMapping/>
+  </p:clrMapOvr>
+</p:sld>
+</file>
+
 <file path=ppt/slides/slide2.xml><?xml version="1.0" encoding="utf-8"?>
 <p:sld xmlns:a="http://schemas.openxmlformats.org/drawingml/2006/main" xmlns:r="http://schemas.openxmlformats.org/officeDocument/2006/relationships" xmlns:p="http://schemas.openxmlformats.org/presentationml/2006/main">
   <p:cSld>
@@ -4991,7 +6909,517 @@
           <a:bodyPr/>
           <a:lstStyle/>
           <a:p>
-            <a:endParaRPr lang="ko-KR" altLang="en-US"/>
+            <a:r>
+              <a:rPr lang="ko-KR" altLang="en-US" dirty="0" smtClean="0"/>
+              <a:t>로고</a:t>
+            </a:r>
+            <a:endParaRPr lang="en-US" altLang="ko-KR" dirty="0" smtClean="0"/>
+          </a:p>
+          <a:p>
+            <a:pPr lvl="1"/>
+            <a:r>
+              <a:rPr lang="ko-KR" altLang="en-US" dirty="0" smtClean="0"/>
+              <a:t>메인페이지로 돌아가기 링크</a:t>
+            </a:r>
+            <a:endParaRPr lang="en-US" altLang="ko-KR" dirty="0" smtClean="0"/>
+          </a:p>
+          <a:p>
+            <a:r>
+              <a:rPr lang="ko-KR" altLang="en-US" dirty="0" smtClean="0"/>
+              <a:t>메뉴</a:t>
+            </a:r>
+            <a:endParaRPr lang="en-US" altLang="ko-KR" dirty="0" smtClean="0"/>
+          </a:p>
+          <a:p>
+            <a:pPr lvl="1"/>
+            <a:r>
+              <a:rPr lang="en-US" altLang="ko-KR" dirty="0" smtClean="0"/>
+              <a:t>CRUD</a:t>
+            </a:r>
+            <a:r>
+              <a:rPr lang="ko-KR" altLang="en-US" dirty="0" smtClean="0"/>
+              <a:t>할 테이블의 종류를 정함</a:t>
+            </a:r>
+            <a:endParaRPr lang="en-US" altLang="ko-KR" dirty="0" smtClean="0"/>
+          </a:p>
+          <a:p>
+            <a:r>
+              <a:rPr lang="ko-KR" altLang="en-US" dirty="0" smtClean="0"/>
+              <a:t>테이블</a:t>
+            </a:r>
+            <a:endParaRPr lang="en-US" altLang="ko-KR" dirty="0" smtClean="0"/>
+          </a:p>
+          <a:p>
+            <a:pPr lvl="1"/>
+            <a:r>
+              <a:rPr lang="ko-KR" altLang="en-US" dirty="0" smtClean="0"/>
+              <a:t>추가</a:t>
+            </a:r>
+            <a:endParaRPr lang="en-US" altLang="ko-KR" dirty="0" smtClean="0"/>
+          </a:p>
+          <a:p>
+            <a:pPr lvl="1"/>
+            <a:r>
+              <a:rPr lang="ko-KR" altLang="en-US" dirty="0" smtClean="0"/>
+              <a:t>삭제</a:t>
+            </a:r>
+            <a:endParaRPr lang="en-US" altLang="ko-KR" dirty="0" smtClean="0"/>
+          </a:p>
+          <a:p>
+            <a:pPr lvl="1"/>
+            <a:r>
+              <a:rPr lang="ko-KR" altLang="en-US" dirty="0" smtClean="0"/>
+              <a:t>수정</a:t>
+            </a:r>
+            <a:endParaRPr lang="en-US" altLang="ko-KR" dirty="0" smtClean="0"/>
+          </a:p>
+          <a:p>
+            <a:pPr lvl="1"/>
+            <a:r>
+              <a:rPr lang="ko-KR" altLang="en-US" dirty="0" smtClean="0"/>
+              <a:t>읽기</a:t>
+            </a:r>
+            <a:endParaRPr lang="en-US" altLang="ko-KR" dirty="0" smtClean="0"/>
+          </a:p>
+          <a:p>
+            <a:pPr lvl="1"/>
+            <a:r>
+              <a:rPr lang="ko-KR" altLang="en-US" dirty="0" smtClean="0"/>
+              <a:t>컬럼 클릭 시 정렬</a:t>
+            </a:r>
+            <a:endParaRPr lang="en-US" altLang="ko-KR" dirty="0" smtClean="0"/>
+          </a:p>
+          <a:p>
+            <a:pPr lvl="1"/>
+            <a:r>
+              <a:rPr lang="ko-KR" altLang="en-US" dirty="0" smtClean="0"/>
+              <a:t>공통적으로 관리 </a:t>
+            </a:r>
+            <a:r>
+              <a:rPr lang="ko-KR" altLang="en-US" dirty="0" smtClean="0"/>
+              <a:t>컬</a:t>
+            </a:r>
+            <a:r>
+              <a:rPr lang="ko-KR" altLang="en-US" dirty="0" smtClean="0"/>
+              <a:t>럼이 있음</a:t>
+            </a:r>
+            <a:endParaRPr lang="en-US" altLang="ko-KR" dirty="0" smtClean="0"/>
+          </a:p>
+          <a:p>
+            <a:pPr lvl="1"/>
+            <a:r>
+              <a:rPr lang="ko-KR" altLang="en-US" dirty="0" smtClean="0"/>
+              <a:t>전체 삭제를 위한 체크박스</a:t>
+            </a:r>
+            <a:endParaRPr lang="en-US" altLang="ko-KR" dirty="0" smtClean="0"/>
+          </a:p>
+          <a:p>
+            <a:pPr lvl="1"/>
+            <a:r>
+              <a:rPr lang="ko-KR" altLang="en-US" dirty="0" smtClean="0"/>
+              <a:t>전체 삭제 버튼</a:t>
+            </a:r>
+            <a:endParaRPr lang="en-US" altLang="ko-KR" dirty="0" smtClean="0"/>
+          </a:p>
+          <a:p>
+            <a:r>
+              <a:rPr lang="ko-KR" altLang="en-US" dirty="0" err="1" smtClean="0"/>
+              <a:t>모달</a:t>
+            </a:r>
+            <a:endParaRPr lang="en-US" altLang="ko-KR" dirty="0" smtClean="0"/>
+          </a:p>
+          <a:p>
+            <a:pPr lvl="1"/>
+            <a:r>
+              <a:rPr lang="ko-KR" altLang="en-US" dirty="0" smtClean="0"/>
+              <a:t>아이템의 상세한 정보를 표기</a:t>
+            </a:r>
+            <a:endParaRPr lang="en-US" altLang="ko-KR" dirty="0" smtClean="0"/>
+          </a:p>
+          <a:p>
+            <a:r>
+              <a:rPr lang="ko-KR" altLang="en-US" dirty="0" smtClean="0"/>
+              <a:t>검색</a:t>
+            </a:r>
+            <a:endParaRPr lang="en-US" altLang="ko-KR" dirty="0" smtClean="0"/>
+          </a:p>
+          <a:p>
+            <a:pPr lvl="1"/>
+            <a:r>
+              <a:rPr lang="ko-KR" altLang="en-US" dirty="0" smtClean="0"/>
+              <a:t>검색하고 싶은 키워드 </a:t>
+            </a:r>
+            <a:r>
+              <a:rPr lang="ko-KR" altLang="en-US" dirty="0" err="1" smtClean="0"/>
+              <a:t>입력칸</a:t>
+            </a:r>
+            <a:endParaRPr lang="en-US" altLang="ko-KR" dirty="0" smtClean="0"/>
+          </a:p>
+          <a:p>
+            <a:pPr lvl="1"/>
+            <a:r>
+              <a:rPr lang="ko-KR" altLang="en-US" dirty="0" smtClean="0"/>
+              <a:t>검색 버튼</a:t>
+            </a:r>
+            <a:endParaRPr lang="en-US" altLang="ko-KR" dirty="0" smtClean="0"/>
+          </a:p>
+        </p:txBody>
+      </p:sp>
+      <p:sp>
+        <p:nvSpPr>
+          <p:cNvPr id="4" name="직사각형 3"/>
+          <p:cNvSpPr/>
+          <p:nvPr/>
+        </p:nvSpPr>
+        <p:spPr>
+          <a:xfrm>
+            <a:off x="452282" y="1644161"/>
+            <a:ext cx="1441939" cy="4229100"/>
+          </a:xfrm>
+          <a:prstGeom prst="rect">
+            <a:avLst/>
+          </a:prstGeom>
+        </p:spPr>
+        <p:style>
+          <a:lnRef idx="2">
+            <a:schemeClr val="accent2">
+              <a:shade val="50000"/>
+            </a:schemeClr>
+          </a:lnRef>
+          <a:fillRef idx="1">
+            <a:schemeClr val="accent2"/>
+          </a:fillRef>
+          <a:effectRef idx="0">
+            <a:schemeClr val="accent2"/>
+          </a:effectRef>
+          <a:fontRef idx="minor">
+            <a:schemeClr val="lt1"/>
+          </a:fontRef>
+        </p:style>
+        <p:txBody>
+          <a:bodyPr rtlCol="0" anchor="ctr"/>
+          <a:lstStyle/>
+          <a:p>
+            <a:pPr algn="ctr"/>
+            <a:r>
+              <a:rPr lang="ko-KR" altLang="en-US" dirty="0" smtClean="0"/>
+              <a:t>메뉴</a:t>
+            </a:r>
+            <a:endParaRPr lang="ko-KR" altLang="en-US" dirty="0"/>
+          </a:p>
+        </p:txBody>
+      </p:sp>
+      <p:sp>
+        <p:nvSpPr>
+          <p:cNvPr id="5" name="직사각형 4"/>
+          <p:cNvSpPr/>
+          <p:nvPr/>
+        </p:nvSpPr>
+        <p:spPr>
+          <a:xfrm>
+            <a:off x="1894221" y="1644161"/>
+            <a:ext cx="5227548" cy="4229100"/>
+          </a:xfrm>
+          <a:prstGeom prst="rect">
+            <a:avLst/>
+          </a:prstGeom>
+        </p:spPr>
+        <p:style>
+          <a:lnRef idx="2">
+            <a:schemeClr val="accent3">
+              <a:shade val="50000"/>
+            </a:schemeClr>
+          </a:lnRef>
+          <a:fillRef idx="1">
+            <a:schemeClr val="accent3"/>
+          </a:fillRef>
+          <a:effectRef idx="0">
+            <a:schemeClr val="accent3"/>
+          </a:effectRef>
+          <a:fontRef idx="minor">
+            <a:schemeClr val="lt1"/>
+          </a:fontRef>
+        </p:style>
+        <p:txBody>
+          <a:bodyPr rtlCol="0" anchor="ctr"/>
+          <a:lstStyle/>
+          <a:p>
+            <a:pPr algn="ctr"/>
+            <a:r>
+              <a:rPr lang="ko-KR" altLang="en-US" dirty="0" smtClean="0"/>
+              <a:t>테이블</a:t>
+            </a:r>
+            <a:endParaRPr lang="ko-KR" altLang="en-US" dirty="0"/>
+          </a:p>
+        </p:txBody>
+      </p:sp>
+      <p:sp>
+        <p:nvSpPr>
+          <p:cNvPr id="13" name="직사각형 12"/>
+          <p:cNvSpPr/>
+          <p:nvPr/>
+        </p:nvSpPr>
+        <p:spPr>
+          <a:xfrm>
+            <a:off x="522620" y="1758461"/>
+            <a:ext cx="1301262" cy="527539"/>
+          </a:xfrm>
+          <a:prstGeom prst="rect">
+            <a:avLst/>
+          </a:prstGeom>
+        </p:spPr>
+        <p:style>
+          <a:lnRef idx="2">
+            <a:schemeClr val="accent1">
+              <a:shade val="50000"/>
+            </a:schemeClr>
+          </a:lnRef>
+          <a:fillRef idx="1">
+            <a:schemeClr val="accent1"/>
+          </a:fillRef>
+          <a:effectRef idx="0">
+            <a:schemeClr val="accent1"/>
+          </a:effectRef>
+          <a:fontRef idx="minor">
+            <a:schemeClr val="lt1"/>
+          </a:fontRef>
+        </p:style>
+        <p:txBody>
+          <a:bodyPr rtlCol="0" anchor="ctr"/>
+          <a:lstStyle/>
+          <a:p>
+            <a:pPr algn="ctr"/>
+            <a:r>
+              <a:rPr lang="ko-KR" altLang="en-US" dirty="0" smtClean="0"/>
+              <a:t>로고</a:t>
+            </a:r>
+            <a:endParaRPr lang="ko-KR" altLang="en-US" dirty="0"/>
+          </a:p>
+        </p:txBody>
+      </p:sp>
+      <p:sp>
+        <p:nvSpPr>
+          <p:cNvPr id="14" name="직사각형 13"/>
+          <p:cNvSpPr/>
+          <p:nvPr/>
+        </p:nvSpPr>
+        <p:spPr>
+          <a:xfrm>
+            <a:off x="2301125" y="2285999"/>
+            <a:ext cx="4413739" cy="2883878"/>
+          </a:xfrm>
+          <a:prstGeom prst="rect">
+            <a:avLst/>
+          </a:prstGeom>
+          <a:solidFill>
+            <a:schemeClr val="dk1">
+              <a:alpha val="50000"/>
+            </a:schemeClr>
+          </a:solidFill>
+          <a:ln>
+            <a:noFill/>
+          </a:ln>
+        </p:spPr>
+        <p:style>
+          <a:lnRef idx="0">
+            <a:scrgbClr r="0" g="0" b="0"/>
+          </a:lnRef>
+          <a:fillRef idx="0">
+            <a:scrgbClr r="0" g="0" b="0"/>
+          </a:fillRef>
+          <a:effectRef idx="0">
+            <a:scrgbClr r="0" g="0" b="0"/>
+          </a:effectRef>
+          <a:fontRef idx="minor">
+            <a:schemeClr val="lt1"/>
+          </a:fontRef>
+        </p:style>
+        <p:txBody>
+          <a:bodyPr rtlCol="0" anchor="ctr"/>
+          <a:lstStyle/>
+          <a:p>
+            <a:pPr algn="ctr"/>
+            <a:r>
+              <a:rPr lang="ko-KR" altLang="en-US" dirty="0" err="1" smtClean="0"/>
+              <a:t>모달</a:t>
+            </a:r>
+            <a:endParaRPr lang="ko-KR" altLang="en-US" dirty="0"/>
+          </a:p>
+        </p:txBody>
+      </p:sp>
+      <p:sp>
+        <p:nvSpPr>
+          <p:cNvPr id="15" name="직사각형 14"/>
+          <p:cNvSpPr/>
+          <p:nvPr/>
+        </p:nvSpPr>
+        <p:spPr>
+          <a:xfrm>
+            <a:off x="1964559" y="1947495"/>
+            <a:ext cx="2897586" cy="298939"/>
+          </a:xfrm>
+          <a:prstGeom prst="rect">
+            <a:avLst/>
+          </a:prstGeom>
+        </p:spPr>
+        <p:style>
+          <a:lnRef idx="2">
+            <a:schemeClr val="accent1">
+              <a:shade val="50000"/>
+            </a:schemeClr>
+          </a:lnRef>
+          <a:fillRef idx="1">
+            <a:schemeClr val="accent1"/>
+          </a:fillRef>
+          <a:effectRef idx="0">
+            <a:schemeClr val="accent1"/>
+          </a:effectRef>
+          <a:fontRef idx="minor">
+            <a:schemeClr val="lt1"/>
+          </a:fontRef>
+        </p:style>
+        <p:txBody>
+          <a:bodyPr rtlCol="0" anchor="ctr"/>
+          <a:lstStyle/>
+          <a:p>
+            <a:pPr algn="ctr"/>
+            <a:r>
+              <a:rPr lang="ko-KR" altLang="en-US" smtClean="0"/>
+              <a:t>검색</a:t>
+            </a:r>
+            <a:endParaRPr lang="ko-KR" altLang="en-US" dirty="0"/>
+          </a:p>
+        </p:txBody>
+      </p:sp>
+      <p:sp>
+        <p:nvSpPr>
+          <p:cNvPr id="16" name="직사각형 15"/>
+          <p:cNvSpPr/>
+          <p:nvPr/>
+        </p:nvSpPr>
+        <p:spPr>
+          <a:xfrm>
+            <a:off x="6145822" y="1872760"/>
+            <a:ext cx="686319" cy="298939"/>
+          </a:xfrm>
+          <a:prstGeom prst="rect">
+            <a:avLst/>
+          </a:prstGeom>
+        </p:spPr>
+        <p:style>
+          <a:lnRef idx="2">
+            <a:schemeClr val="accent1">
+              <a:shade val="50000"/>
+            </a:schemeClr>
+          </a:lnRef>
+          <a:fillRef idx="1">
+            <a:schemeClr val="accent1"/>
+          </a:fillRef>
+          <a:effectRef idx="0">
+            <a:schemeClr val="accent1"/>
+          </a:effectRef>
+          <a:fontRef idx="minor">
+            <a:schemeClr val="lt1"/>
+          </a:fontRef>
+        </p:style>
+        <p:txBody>
+          <a:bodyPr rtlCol="0" anchor="ctr"/>
+          <a:lstStyle/>
+          <a:p>
+            <a:pPr algn="ctr"/>
+            <a:r>
+              <a:rPr lang="ko-KR" altLang="en-US" smtClean="0"/>
+              <a:t>삭제</a:t>
+            </a:r>
+            <a:endParaRPr lang="ko-KR" altLang="en-US" dirty="0"/>
+          </a:p>
+        </p:txBody>
+      </p:sp>
+      <p:sp>
+        <p:nvSpPr>
+          <p:cNvPr id="17" name="직사각형 16"/>
+          <p:cNvSpPr/>
+          <p:nvPr/>
+        </p:nvSpPr>
+        <p:spPr>
+          <a:xfrm>
+            <a:off x="3075211" y="5444635"/>
+            <a:ext cx="2897586" cy="298939"/>
+          </a:xfrm>
+          <a:prstGeom prst="rect">
+            <a:avLst/>
+          </a:prstGeom>
+        </p:spPr>
+        <p:style>
+          <a:lnRef idx="2">
+            <a:schemeClr val="accent1">
+              <a:shade val="50000"/>
+            </a:schemeClr>
+          </a:lnRef>
+          <a:fillRef idx="1">
+            <a:schemeClr val="accent1"/>
+          </a:fillRef>
+          <a:effectRef idx="0">
+            <a:schemeClr val="accent1"/>
+          </a:effectRef>
+          <a:fontRef idx="minor">
+            <a:schemeClr val="lt1"/>
+          </a:fontRef>
+        </p:style>
+        <p:txBody>
+          <a:bodyPr rtlCol="0" anchor="ctr"/>
+          <a:lstStyle/>
+          <a:p>
+            <a:pPr algn="ctr"/>
+            <a:r>
+              <a:rPr lang="ko-KR" altLang="en-US" dirty="0" err="1" smtClean="0"/>
+              <a:t>페이지네이션</a:t>
+            </a:r>
+            <a:endParaRPr lang="ko-KR" altLang="en-US" dirty="0"/>
+          </a:p>
+        </p:txBody>
+      </p:sp>
+      <p:sp>
+        <p:nvSpPr>
+          <p:cNvPr id="18" name="직사각형 17"/>
+          <p:cNvSpPr/>
+          <p:nvPr/>
+        </p:nvSpPr>
+        <p:spPr>
+          <a:xfrm>
+            <a:off x="5305637" y="1861771"/>
+            <a:ext cx="686319" cy="298939"/>
+          </a:xfrm>
+          <a:prstGeom prst="rect">
+            <a:avLst/>
+          </a:prstGeom>
+        </p:spPr>
+        <p:style>
+          <a:lnRef idx="2">
+            <a:schemeClr val="accent1">
+              <a:shade val="50000"/>
+            </a:schemeClr>
+          </a:lnRef>
+          <a:fillRef idx="1">
+            <a:schemeClr val="accent1"/>
+          </a:fillRef>
+          <a:effectRef idx="0">
+            <a:schemeClr val="accent1"/>
+          </a:effectRef>
+          <a:fontRef idx="minor">
+            <a:schemeClr val="lt1"/>
+          </a:fontRef>
+        </p:style>
+        <p:txBody>
+          <a:bodyPr rtlCol="0" anchor="ctr"/>
+          <a:lstStyle/>
+          <a:p>
+            <a:pPr algn="ctr"/>
+            <a:r>
+              <a:rPr lang="ko-KR" altLang="en-US" dirty="0" smtClean="0"/>
+              <a:t>등록</a:t>
+            </a:r>
+            <a:endParaRPr lang="ko-KR" altLang="en-US" dirty="0"/>
           </a:p>
         </p:txBody>
       </p:sp>
@@ -4999,6 +7427,342 @@
     <p:extLst>
       <p:ext uri="{BB962C8B-B14F-4D97-AF65-F5344CB8AC3E}">
         <p14:creationId xmlns:p14="http://schemas.microsoft.com/office/powerpoint/2010/main" val="1390293688"/>
+      </p:ext>
+    </p:extLst>
+  </p:cSld>
+  <p:clrMapOvr>
+    <a:masterClrMapping/>
+  </p:clrMapOvr>
+</p:sld>
+</file>
+
+<file path=ppt/slides/slide8.xml><?xml version="1.0" encoding="utf-8"?>
+<p:sld xmlns:a="http://schemas.openxmlformats.org/drawingml/2006/main" xmlns:r="http://schemas.openxmlformats.org/officeDocument/2006/relationships" xmlns:p="http://schemas.openxmlformats.org/presentationml/2006/main">
+  <p:cSld>
+    <p:spTree>
+      <p:nvGrpSpPr>
+        <p:cNvPr id="1" name=""/>
+        <p:cNvGrpSpPr/>
+        <p:nvPr/>
+      </p:nvGrpSpPr>
+      <p:grpSpPr>
+        <a:xfrm>
+          <a:off x="0" y="0"/>
+          <a:ext cx="0" cy="0"/>
+          <a:chOff x="0" y="0"/>
+          <a:chExt cx="0" cy="0"/>
+        </a:xfrm>
+      </p:grpSpPr>
+      <p:sp>
+        <p:nvSpPr>
+          <p:cNvPr id="2" name="제목 1"/>
+          <p:cNvSpPr>
+            <a:spLocks noGrp="1"/>
+          </p:cNvSpPr>
+          <p:nvPr>
+            <p:ph type="title"/>
+          </p:nvPr>
+        </p:nvSpPr>
+        <p:spPr/>
+        <p:txBody>
+          <a:bodyPr/>
+          <a:lstStyle/>
+          <a:p>
+            <a:r>
+              <a:rPr lang="ko-KR" altLang="en-US" dirty="0" smtClean="0"/>
+              <a:t>관리자 페이지 </a:t>
+            </a:r>
+            <a:r>
+              <a:rPr lang="en-US" altLang="ko-KR" dirty="0" smtClean="0"/>
+              <a:t>- </a:t>
+            </a:r>
+            <a:r>
+              <a:rPr lang="ko-KR" altLang="en-US" dirty="0" smtClean="0"/>
+              <a:t>상품</a:t>
+            </a:r>
+            <a:endParaRPr lang="ko-KR" altLang="en-US" dirty="0"/>
+          </a:p>
+        </p:txBody>
+      </p:sp>
+      <p:sp>
+        <p:nvSpPr>
+          <p:cNvPr id="3" name="텍스트 개체 틀 2"/>
+          <p:cNvSpPr>
+            <a:spLocks noGrp="1"/>
+          </p:cNvSpPr>
+          <p:nvPr>
+            <p:ph type="body" sz="quarter" idx="10"/>
+          </p:nvPr>
+        </p:nvSpPr>
+        <p:spPr/>
+        <p:txBody>
+          <a:bodyPr/>
+          <a:lstStyle/>
+          <a:p>
+            <a:r>
+              <a:rPr lang="ko-KR" altLang="en-US" dirty="0" smtClean="0"/>
+              <a:t>테이블의 컬럼</a:t>
+            </a:r>
+            <a:endParaRPr lang="en-US" altLang="ko-KR" dirty="0" smtClean="0"/>
+          </a:p>
+          <a:p>
+            <a:pPr lvl="1"/>
+            <a:r>
+              <a:rPr lang="ko-KR" altLang="en-US" dirty="0"/>
+              <a:t>제품 </a:t>
+            </a:r>
+            <a:r>
+              <a:rPr lang="ko-KR" altLang="en-US" dirty="0" smtClean="0"/>
+              <a:t>번호</a:t>
+            </a:r>
+            <a:endParaRPr lang="en-US" altLang="ko-KR" dirty="0" smtClean="0"/>
+          </a:p>
+          <a:p>
+            <a:pPr lvl="1"/>
+            <a:r>
+              <a:rPr lang="ko-KR" altLang="en-US" dirty="0" smtClean="0"/>
+              <a:t>사진</a:t>
+            </a:r>
+            <a:endParaRPr lang="en-US" altLang="ko-KR" dirty="0" smtClean="0"/>
+          </a:p>
+          <a:p>
+            <a:pPr lvl="1"/>
+            <a:r>
+              <a:rPr lang="ko-KR" altLang="en-US" dirty="0" smtClean="0"/>
+              <a:t>제품 명</a:t>
+            </a:r>
+            <a:endParaRPr lang="en-US" altLang="ko-KR" dirty="0" smtClean="0"/>
+          </a:p>
+          <a:p>
+            <a:pPr lvl="1"/>
+            <a:r>
+              <a:rPr lang="ko-KR" altLang="en-US" dirty="0" smtClean="0"/>
+              <a:t>가격</a:t>
+            </a:r>
+            <a:endParaRPr lang="en-US" altLang="ko-KR" dirty="0" smtClean="0"/>
+          </a:p>
+          <a:p>
+            <a:pPr lvl="1"/>
+            <a:r>
+              <a:rPr lang="ko-KR" altLang="en-US" dirty="0" smtClean="0"/>
+              <a:t>제조사</a:t>
+            </a:r>
+            <a:endParaRPr lang="en-US" altLang="ko-KR" dirty="0" smtClean="0"/>
+          </a:p>
+          <a:p>
+            <a:r>
+              <a:rPr lang="ko-KR" altLang="en-US" dirty="0" err="1" smtClean="0"/>
+              <a:t>모달</a:t>
+            </a:r>
+            <a:endParaRPr lang="en-US" altLang="ko-KR" dirty="0" smtClean="0"/>
+          </a:p>
+          <a:p>
+            <a:pPr lvl="1"/>
+            <a:r>
+              <a:rPr lang="ko-KR" altLang="en-US" dirty="0" smtClean="0"/>
+              <a:t>위 정보</a:t>
+            </a:r>
+            <a:endParaRPr lang="en-US" altLang="ko-KR" dirty="0" smtClean="0"/>
+          </a:p>
+          <a:p>
+            <a:pPr lvl="1"/>
+            <a:r>
+              <a:rPr lang="ko-KR" altLang="en-US" dirty="0" smtClean="0"/>
+              <a:t>나머지 사진</a:t>
+            </a:r>
+            <a:endParaRPr lang="en-US" altLang="ko-KR" dirty="0" smtClean="0"/>
+          </a:p>
+          <a:p>
+            <a:pPr lvl="1"/>
+            <a:r>
+              <a:rPr lang="ko-KR" altLang="en-US" dirty="0" smtClean="0"/>
+              <a:t>설명</a:t>
+            </a:r>
+            <a:endParaRPr lang="en-US" altLang="ko-KR" dirty="0" smtClean="0"/>
+          </a:p>
+          <a:p>
+            <a:pPr lvl="1"/>
+            <a:r>
+              <a:rPr lang="ko-KR" altLang="en-US" dirty="0" smtClean="0"/>
+              <a:t>태그들</a:t>
+            </a:r>
+            <a:endParaRPr lang="en-US" altLang="ko-KR" dirty="0" smtClean="0"/>
+          </a:p>
+        </p:txBody>
+      </p:sp>
+    </p:spTree>
+    <p:extLst>
+      <p:ext uri="{BB962C8B-B14F-4D97-AF65-F5344CB8AC3E}">
+        <p14:creationId xmlns:p14="http://schemas.microsoft.com/office/powerpoint/2010/main" val="3855135282"/>
+      </p:ext>
+    </p:extLst>
+  </p:cSld>
+  <p:clrMapOvr>
+    <a:masterClrMapping/>
+  </p:clrMapOvr>
+</p:sld>
+</file>
+
+<file path=ppt/slides/slide9.xml><?xml version="1.0" encoding="utf-8"?>
+<p:sld xmlns:a="http://schemas.openxmlformats.org/drawingml/2006/main" xmlns:r="http://schemas.openxmlformats.org/officeDocument/2006/relationships" xmlns:p="http://schemas.openxmlformats.org/presentationml/2006/main">
+  <p:cSld>
+    <p:spTree>
+      <p:nvGrpSpPr>
+        <p:cNvPr id="1" name=""/>
+        <p:cNvGrpSpPr/>
+        <p:nvPr/>
+      </p:nvGrpSpPr>
+      <p:grpSpPr>
+        <a:xfrm>
+          <a:off x="0" y="0"/>
+          <a:ext cx="0" cy="0"/>
+          <a:chOff x="0" y="0"/>
+          <a:chExt cx="0" cy="0"/>
+        </a:xfrm>
+      </p:grpSpPr>
+      <p:sp>
+        <p:nvSpPr>
+          <p:cNvPr id="2" name="제목 1"/>
+          <p:cNvSpPr>
+            <a:spLocks noGrp="1"/>
+          </p:cNvSpPr>
+          <p:nvPr>
+            <p:ph type="title"/>
+          </p:nvPr>
+        </p:nvSpPr>
+        <p:spPr/>
+        <p:txBody>
+          <a:bodyPr/>
+          <a:lstStyle/>
+          <a:p>
+            <a:r>
+              <a:rPr lang="ko-KR" altLang="en-US" dirty="0" smtClean="0"/>
+              <a:t>관리자 페이지 </a:t>
+            </a:r>
+            <a:r>
+              <a:rPr lang="en-US" altLang="ko-KR" dirty="0" smtClean="0"/>
+              <a:t>- </a:t>
+            </a:r>
+            <a:r>
+              <a:rPr lang="ko-KR" altLang="en-US" dirty="0" smtClean="0"/>
+              <a:t>주문</a:t>
+            </a:r>
+            <a:endParaRPr lang="ko-KR" altLang="en-US" dirty="0"/>
+          </a:p>
+        </p:txBody>
+      </p:sp>
+      <p:sp>
+        <p:nvSpPr>
+          <p:cNvPr id="3" name="텍스트 개체 틀 2"/>
+          <p:cNvSpPr>
+            <a:spLocks noGrp="1"/>
+          </p:cNvSpPr>
+          <p:nvPr>
+            <p:ph type="body" sz="quarter" idx="10"/>
+          </p:nvPr>
+        </p:nvSpPr>
+        <p:spPr/>
+        <p:txBody>
+          <a:bodyPr/>
+          <a:lstStyle/>
+          <a:p>
+            <a:r>
+              <a:rPr lang="ko-KR" altLang="en-US" dirty="0" smtClean="0"/>
+              <a:t>테이블 컬럼</a:t>
+            </a:r>
+            <a:endParaRPr lang="en-US" altLang="ko-KR" dirty="0" smtClean="0"/>
+          </a:p>
+          <a:p>
+            <a:pPr lvl="1"/>
+            <a:r>
+              <a:rPr lang="ko-KR" altLang="en-US" dirty="0" smtClean="0"/>
+              <a:t>주문 번호</a:t>
+            </a:r>
+            <a:endParaRPr lang="en-US" altLang="ko-KR" dirty="0" smtClean="0"/>
+          </a:p>
+          <a:p>
+            <a:pPr lvl="1"/>
+            <a:r>
+              <a:rPr lang="ko-KR" altLang="en-US" dirty="0" smtClean="0"/>
+              <a:t>아이디</a:t>
+            </a:r>
+            <a:endParaRPr lang="en-US" altLang="ko-KR" dirty="0" smtClean="0"/>
+          </a:p>
+          <a:p>
+            <a:pPr lvl="1"/>
+            <a:r>
+              <a:rPr lang="ko-KR" altLang="en-US" dirty="0" smtClean="0"/>
+              <a:t>전화번호</a:t>
+            </a:r>
+            <a:endParaRPr lang="en-US" altLang="ko-KR" dirty="0" smtClean="0"/>
+          </a:p>
+          <a:p>
+            <a:pPr lvl="1"/>
+            <a:r>
+              <a:rPr lang="ko-KR" altLang="en-US" dirty="0" err="1" smtClean="0"/>
+              <a:t>주문날짜</a:t>
+            </a:r>
+            <a:endParaRPr lang="en-US" altLang="ko-KR" dirty="0" smtClean="0"/>
+          </a:p>
+          <a:p>
+            <a:pPr lvl="1"/>
+            <a:r>
+              <a:rPr lang="ko-KR" altLang="en-US" dirty="0" smtClean="0"/>
+              <a:t>총 가격</a:t>
+            </a:r>
+            <a:endParaRPr lang="en-US" altLang="ko-KR" dirty="0" smtClean="0"/>
+          </a:p>
+          <a:p>
+            <a:r>
+              <a:rPr lang="ko-KR" altLang="en-US" dirty="0" err="1" smtClean="0"/>
+              <a:t>모달</a:t>
+            </a:r>
+            <a:endParaRPr lang="en-US" altLang="ko-KR" dirty="0" smtClean="0"/>
+          </a:p>
+          <a:p>
+            <a:pPr lvl="1"/>
+            <a:r>
+              <a:rPr lang="ko-KR" altLang="en-US" dirty="0" smtClean="0"/>
+              <a:t>위 정보</a:t>
+            </a:r>
+            <a:endParaRPr lang="en-US" altLang="ko-KR" dirty="0" smtClean="0"/>
+          </a:p>
+          <a:p>
+            <a:pPr lvl="1"/>
+            <a:r>
+              <a:rPr lang="ko-KR" altLang="en-US" dirty="0" smtClean="0"/>
+              <a:t>주소</a:t>
+            </a:r>
+            <a:endParaRPr lang="en-US" altLang="ko-KR" dirty="0" smtClean="0"/>
+          </a:p>
+          <a:p>
+            <a:pPr lvl="1"/>
+            <a:r>
+              <a:rPr lang="ko-KR" altLang="en-US" dirty="0" smtClean="0"/>
+              <a:t>수령인</a:t>
+            </a:r>
+            <a:endParaRPr lang="en-US" altLang="ko-KR" dirty="0" smtClean="0"/>
+          </a:p>
+          <a:p>
+            <a:pPr lvl="1"/>
+            <a:r>
+              <a:rPr lang="ko-KR" altLang="en-US" dirty="0" smtClean="0"/>
+              <a:t>주문 제품</a:t>
+            </a:r>
+            <a:endParaRPr lang="en-US" altLang="ko-KR" dirty="0" smtClean="0"/>
+          </a:p>
+          <a:p>
+            <a:pPr marL="457200" lvl="1" indent="0">
+              <a:buNone/>
+            </a:pPr>
+            <a:endParaRPr lang="ko-KR" altLang="en-US" dirty="0"/>
+          </a:p>
+        </p:txBody>
+      </p:sp>
+    </p:spTree>
+    <p:extLst>
+      <p:ext uri="{BB962C8B-B14F-4D97-AF65-F5344CB8AC3E}">
+        <p14:creationId xmlns:p14="http://schemas.microsoft.com/office/powerpoint/2010/main" val="1038393614"/>
       </p:ext>
     </p:extLst>
   </p:cSld>
